--- a/주차별 상세/중간보고/설계도(수정필요).pptx
+++ b/주차별 상세/중간보고/설계도(수정필요).pptx
@@ -260,7 +260,7 @@
           <a:p>
             <a:fld id="{EC8A3B3C-FA53-4BA8-9CFF-3FCC2133F772}" type="datetimeFigureOut">
               <a:rPr lang="ko-KR" altLang="en-US" smtClean="0"/>
-              <a:t>2020-05-17</a:t>
+              <a:t>2020-05-31</a:t>
             </a:fld>
             <a:endParaRPr lang="ko-KR" altLang="en-US"/>
           </a:p>
@@ -458,7 +458,7 @@
           <a:p>
             <a:fld id="{EC8A3B3C-FA53-4BA8-9CFF-3FCC2133F772}" type="datetimeFigureOut">
               <a:rPr lang="ko-KR" altLang="en-US" smtClean="0"/>
-              <a:t>2020-05-17</a:t>
+              <a:t>2020-05-31</a:t>
             </a:fld>
             <a:endParaRPr lang="ko-KR" altLang="en-US"/>
           </a:p>
@@ -666,7 +666,7 @@
           <a:p>
             <a:fld id="{EC8A3B3C-FA53-4BA8-9CFF-3FCC2133F772}" type="datetimeFigureOut">
               <a:rPr lang="ko-KR" altLang="en-US" smtClean="0"/>
-              <a:t>2020-05-17</a:t>
+              <a:t>2020-05-31</a:t>
             </a:fld>
             <a:endParaRPr lang="ko-KR" altLang="en-US"/>
           </a:p>
@@ -864,7 +864,7 @@
           <a:p>
             <a:fld id="{EC8A3B3C-FA53-4BA8-9CFF-3FCC2133F772}" type="datetimeFigureOut">
               <a:rPr lang="ko-KR" altLang="en-US" smtClean="0"/>
-              <a:t>2020-05-17</a:t>
+              <a:t>2020-05-31</a:t>
             </a:fld>
             <a:endParaRPr lang="ko-KR" altLang="en-US"/>
           </a:p>
@@ -1139,7 +1139,7 @@
           <a:p>
             <a:fld id="{EC8A3B3C-FA53-4BA8-9CFF-3FCC2133F772}" type="datetimeFigureOut">
               <a:rPr lang="ko-KR" altLang="en-US" smtClean="0"/>
-              <a:t>2020-05-17</a:t>
+              <a:t>2020-05-31</a:t>
             </a:fld>
             <a:endParaRPr lang="ko-KR" altLang="en-US"/>
           </a:p>
@@ -1404,7 +1404,7 @@
           <a:p>
             <a:fld id="{EC8A3B3C-FA53-4BA8-9CFF-3FCC2133F772}" type="datetimeFigureOut">
               <a:rPr lang="ko-KR" altLang="en-US" smtClean="0"/>
-              <a:t>2020-05-17</a:t>
+              <a:t>2020-05-31</a:t>
             </a:fld>
             <a:endParaRPr lang="ko-KR" altLang="en-US"/>
           </a:p>
@@ -1816,7 +1816,7 @@
           <a:p>
             <a:fld id="{EC8A3B3C-FA53-4BA8-9CFF-3FCC2133F772}" type="datetimeFigureOut">
               <a:rPr lang="ko-KR" altLang="en-US" smtClean="0"/>
-              <a:t>2020-05-17</a:t>
+              <a:t>2020-05-31</a:t>
             </a:fld>
             <a:endParaRPr lang="ko-KR" altLang="en-US"/>
           </a:p>
@@ -1957,7 +1957,7 @@
           <a:p>
             <a:fld id="{EC8A3B3C-FA53-4BA8-9CFF-3FCC2133F772}" type="datetimeFigureOut">
               <a:rPr lang="ko-KR" altLang="en-US" smtClean="0"/>
-              <a:t>2020-05-17</a:t>
+              <a:t>2020-05-31</a:t>
             </a:fld>
             <a:endParaRPr lang="ko-KR" altLang="en-US"/>
           </a:p>
@@ -2070,7 +2070,7 @@
           <a:p>
             <a:fld id="{EC8A3B3C-FA53-4BA8-9CFF-3FCC2133F772}" type="datetimeFigureOut">
               <a:rPr lang="ko-KR" altLang="en-US" smtClean="0"/>
-              <a:t>2020-05-17</a:t>
+              <a:t>2020-05-31</a:t>
             </a:fld>
             <a:endParaRPr lang="ko-KR" altLang="en-US"/>
           </a:p>
@@ -2381,7 +2381,7 @@
           <a:p>
             <a:fld id="{EC8A3B3C-FA53-4BA8-9CFF-3FCC2133F772}" type="datetimeFigureOut">
               <a:rPr lang="ko-KR" altLang="en-US" smtClean="0"/>
-              <a:t>2020-05-17</a:t>
+              <a:t>2020-05-31</a:t>
             </a:fld>
             <a:endParaRPr lang="ko-KR" altLang="en-US"/>
           </a:p>
@@ -2669,7 +2669,7 @@
           <a:p>
             <a:fld id="{EC8A3B3C-FA53-4BA8-9CFF-3FCC2133F772}" type="datetimeFigureOut">
               <a:rPr lang="ko-KR" altLang="en-US" smtClean="0"/>
-              <a:t>2020-05-17</a:t>
+              <a:t>2020-05-31</a:t>
             </a:fld>
             <a:endParaRPr lang="ko-KR" altLang="en-US"/>
           </a:p>
@@ -2910,7 +2910,7 @@
           <a:p>
             <a:fld id="{EC8A3B3C-FA53-4BA8-9CFF-3FCC2133F772}" type="datetimeFigureOut">
               <a:rPr lang="ko-KR" altLang="en-US" smtClean="0"/>
-              <a:t>2020-05-17</a:t>
+              <a:t>2020-05-31</a:t>
             </a:fld>
             <a:endParaRPr lang="ko-KR" altLang="en-US"/>
           </a:p>
@@ -4394,10 +4394,10 @@
       </p:grpSpPr>
       <p:grpSp>
         <p:nvGrpSpPr>
-          <p:cNvPr id="62" name="그룹 61">
-            <a:extLst>
-              <a:ext uri="{FF2B5EF4-FFF2-40B4-BE49-F238E27FC236}">
-                <a16:creationId xmlns:a16="http://schemas.microsoft.com/office/drawing/2014/main" id="{D45CF405-FAA6-4249-9EC0-A907BB61F5C2}"/>
+          <p:cNvPr id="9" name="그룹 8">
+            <a:extLst>
+              <a:ext uri="{FF2B5EF4-FFF2-40B4-BE49-F238E27FC236}">
+                <a16:creationId xmlns:a16="http://schemas.microsoft.com/office/drawing/2014/main" id="{40C78CD9-BE36-432D-9FBC-B6041660343C}"/>
               </a:ext>
             </a:extLst>
           </p:cNvPr>
@@ -4406,329 +4406,18 @@
         </p:nvGrpSpPr>
         <p:grpSpPr>
           <a:xfrm>
-            <a:off x="3363451" y="2050289"/>
-            <a:ext cx="5715240" cy="2757421"/>
-            <a:chOff x="1362529" y="1427034"/>
-            <a:chExt cx="5715240" cy="2757421"/>
+            <a:off x="3770762" y="1344107"/>
+            <a:ext cx="4916037" cy="1083069"/>
+            <a:chOff x="2807746" y="1559341"/>
+            <a:chExt cx="1467024" cy="495370"/>
           </a:xfrm>
         </p:grpSpPr>
-        <p:grpSp>
-          <p:nvGrpSpPr>
-            <p:cNvPr id="9" name="그룹 8">
+        <p:sp>
+          <p:nvSpPr>
+            <p:cNvPr id="2" name="직사각형 1">
               <a:extLst>
                 <a:ext uri="{FF2B5EF4-FFF2-40B4-BE49-F238E27FC236}">
-                  <a16:creationId xmlns:a16="http://schemas.microsoft.com/office/drawing/2014/main" id="{40C78CD9-BE36-432D-9FBC-B6041660343C}"/>
-                </a:ext>
-              </a:extLst>
-            </p:cNvPr>
-            <p:cNvGrpSpPr/>
-            <p:nvPr/>
-          </p:nvGrpSpPr>
-          <p:grpSpPr>
-            <a:xfrm>
-              <a:off x="3039434" y="1427034"/>
-              <a:ext cx="1387736" cy="412524"/>
-              <a:chOff x="2807746" y="1559341"/>
-              <a:chExt cx="1467024" cy="495370"/>
-            </a:xfrm>
-          </p:grpSpPr>
-          <p:sp>
-            <p:nvSpPr>
-              <p:cNvPr id="2" name="직사각형 1">
-                <a:extLst>
-                  <a:ext uri="{FF2B5EF4-FFF2-40B4-BE49-F238E27FC236}">
-                    <a16:creationId xmlns:a16="http://schemas.microsoft.com/office/drawing/2014/main" id="{938DF8CD-3271-4629-A0C4-15378DA07DE8}"/>
-                  </a:ext>
-                </a:extLst>
-              </p:cNvPr>
-              <p:cNvSpPr/>
-              <p:nvPr/>
-            </p:nvSpPr>
-            <p:spPr>
-              <a:xfrm>
-                <a:off x="2916175" y="1593158"/>
-                <a:ext cx="1257793" cy="450795"/>
-              </a:xfrm>
-              <a:prstGeom prst="rect">
-                <a:avLst/>
-              </a:prstGeom>
-              <a:ln w="76200">
-                <a:noFill/>
-                <a:tailEnd type="triangle"/>
-              </a:ln>
-            </p:spPr>
-            <p:style>
-              <a:lnRef idx="1">
-                <a:schemeClr val="accent1"/>
-              </a:lnRef>
-              <a:fillRef idx="0">
-                <a:schemeClr val="accent1"/>
-              </a:fillRef>
-              <a:effectRef idx="0">
-                <a:schemeClr val="accent1"/>
-              </a:effectRef>
-              <a:fontRef idx="minor">
-                <a:schemeClr val="tx1"/>
-              </a:fontRef>
-            </p:style>
-            <p:txBody>
-              <a:bodyPr rtlCol="0" anchor="ctr"/>
-              <a:lstStyle/>
-              <a:p>
-                <a:pPr algn="ctr"/>
-                <a:r>
-                  <a:rPr lang="ko-KR" altLang="en-US" sz="1000" dirty="0">
-                    <a:solidFill>
-                      <a:schemeClr val="tx1"/>
-                    </a:solidFill>
-                  </a:rPr>
-                  <a:t>중소벤처기업부</a:t>
-                </a:r>
-                <a:endParaRPr lang="en-US" altLang="ko-KR" sz="1000" dirty="0">
-                  <a:solidFill>
-                    <a:schemeClr val="tx1"/>
-                  </a:solidFill>
-                </a:endParaRPr>
-              </a:p>
-              <a:p>
-                <a:pPr algn="ctr"/>
-                <a:r>
-                  <a:rPr lang="ko-KR" altLang="en-US" sz="1000" dirty="0">
-                    <a:solidFill>
-                      <a:schemeClr val="tx1"/>
-                    </a:solidFill>
-                  </a:rPr>
-                  <a:t>데이터</a:t>
-                </a:r>
-                <a:r>
-                  <a:rPr lang="en-US" altLang="ko-KR" sz="1000" dirty="0">
-                    <a:solidFill>
-                      <a:schemeClr val="tx1"/>
-                    </a:solidFill>
-                  </a:rPr>
-                  <a:t>(*.CSV)</a:t>
-                </a:r>
-                <a:endParaRPr lang="ko-KR" altLang="en-US" sz="1000" dirty="0">
-                  <a:solidFill>
-                    <a:schemeClr val="tx1"/>
-                  </a:solidFill>
-                </a:endParaRPr>
-              </a:p>
-            </p:txBody>
-          </p:sp>
-          <p:sp>
-            <p:nvSpPr>
-              <p:cNvPr id="5" name="직사각형 4">
-                <a:extLst>
-                  <a:ext uri="{FF2B5EF4-FFF2-40B4-BE49-F238E27FC236}">
-                    <a16:creationId xmlns:a16="http://schemas.microsoft.com/office/drawing/2014/main" id="{D8EA837D-7064-45F4-94F6-85310CC397A1}"/>
-                  </a:ext>
-                </a:extLst>
-              </p:cNvPr>
-              <p:cNvSpPr/>
-              <p:nvPr/>
-            </p:nvSpPr>
-            <p:spPr>
-              <a:xfrm>
-                <a:off x="2807746" y="1559341"/>
-                <a:ext cx="1467024" cy="495370"/>
-              </a:xfrm>
-              <a:prstGeom prst="rect">
-                <a:avLst/>
-              </a:prstGeom>
-              <a:ln w="6350">
-                <a:solidFill>
-                  <a:schemeClr val="accent1">
-                    <a:lumMod val="50000"/>
-                  </a:schemeClr>
-                </a:solidFill>
-                <a:tailEnd type="triangle"/>
-              </a:ln>
-            </p:spPr>
-            <p:style>
-              <a:lnRef idx="1">
-                <a:schemeClr val="accent1"/>
-              </a:lnRef>
-              <a:fillRef idx="0">
-                <a:schemeClr val="accent1"/>
-              </a:fillRef>
-              <a:effectRef idx="0">
-                <a:schemeClr val="accent1"/>
-              </a:effectRef>
-              <a:fontRef idx="minor">
-                <a:schemeClr val="tx1"/>
-              </a:fontRef>
-            </p:style>
-            <p:txBody>
-              <a:bodyPr rot="0" spcFirstLastPara="0" vertOverflow="overflow" horzOverflow="overflow" vert="horz" wrap="square" lIns="91440" tIns="45720" rIns="91440" bIns="45720" numCol="1" spcCol="0" rtlCol="0" fromWordArt="0" anchor="ctr" anchorCtr="0" forceAA="0" compatLnSpc="1">
-                <a:prstTxWarp prst="textNoShape">
-                  <a:avLst/>
-                </a:prstTxWarp>
-                <a:noAutofit/>
-              </a:bodyPr>
-              <a:lstStyle/>
-              <a:p>
-                <a:pPr algn="ctr"/>
-                <a:endParaRPr lang="en-US" altLang="ko-KR" sz="1000" dirty="0"/>
-              </a:p>
-            </p:txBody>
-          </p:sp>
-        </p:grpSp>
-        <p:grpSp>
-          <p:nvGrpSpPr>
-            <p:cNvPr id="10" name="그룹 9">
-              <a:extLst>
-                <a:ext uri="{FF2B5EF4-FFF2-40B4-BE49-F238E27FC236}">
-                  <a16:creationId xmlns:a16="http://schemas.microsoft.com/office/drawing/2014/main" id="{FF4E10C8-9FBF-495B-A15D-292475392ECA}"/>
-                </a:ext>
-              </a:extLst>
-            </p:cNvPr>
-            <p:cNvGrpSpPr/>
-            <p:nvPr/>
-          </p:nvGrpSpPr>
-          <p:grpSpPr>
-            <a:xfrm>
-              <a:off x="1362529" y="2367890"/>
-              <a:ext cx="2454202" cy="1791520"/>
-              <a:chOff x="1136723" y="2332805"/>
-              <a:chExt cx="3138047" cy="2192389"/>
-            </a:xfrm>
-          </p:grpSpPr>
-          <p:sp>
-            <p:nvSpPr>
-              <p:cNvPr id="4" name="직사각형 3">
-                <a:extLst>
-                  <a:ext uri="{FF2B5EF4-FFF2-40B4-BE49-F238E27FC236}">
-                    <a16:creationId xmlns:a16="http://schemas.microsoft.com/office/drawing/2014/main" id="{EE833AF2-A985-49AD-B37D-1DA794FC1921}"/>
-                  </a:ext>
-                </a:extLst>
-              </p:cNvPr>
-              <p:cNvSpPr/>
-              <p:nvPr/>
-            </p:nvSpPr>
-            <p:spPr>
-              <a:xfrm>
-                <a:off x="1136724" y="2332805"/>
-                <a:ext cx="3138046" cy="2192389"/>
-              </a:xfrm>
-              <a:prstGeom prst="rect">
-                <a:avLst/>
-              </a:prstGeom>
-              <a:ln w="6350">
-                <a:solidFill>
-                  <a:schemeClr val="accent1">
-                    <a:lumMod val="50000"/>
-                  </a:schemeClr>
-                </a:solidFill>
-                <a:tailEnd type="triangle"/>
-              </a:ln>
-            </p:spPr>
-            <p:style>
-              <a:lnRef idx="1">
-                <a:schemeClr val="accent1"/>
-              </a:lnRef>
-              <a:fillRef idx="0">
-                <a:schemeClr val="accent1"/>
-              </a:fillRef>
-              <a:effectRef idx="0">
-                <a:schemeClr val="accent1"/>
-              </a:effectRef>
-              <a:fontRef idx="minor">
-                <a:schemeClr val="tx1"/>
-              </a:fontRef>
-            </p:style>
-            <p:txBody>
-              <a:bodyPr rot="0" spcFirstLastPara="0" vertOverflow="overflow" horzOverflow="overflow" vert="horz" wrap="square" lIns="91440" tIns="45720" rIns="91440" bIns="45720" numCol="1" spcCol="0" rtlCol="0" fromWordArt="0" anchor="ctr" anchorCtr="0" forceAA="0" compatLnSpc="1">
-                <a:prstTxWarp prst="textNoShape">
-                  <a:avLst/>
-                </a:prstTxWarp>
-                <a:noAutofit/>
-              </a:bodyPr>
-              <a:lstStyle/>
-              <a:p>
-                <a:pPr algn="ctr"/>
-                <a:endParaRPr lang="en-US" altLang="ko-KR" sz="1000" b="1" dirty="0"/>
-              </a:p>
-            </p:txBody>
-          </p:sp>
-          <p:sp>
-            <p:nvSpPr>
-              <p:cNvPr id="6" name="직사각형 5">
-                <a:extLst>
-                  <a:ext uri="{FF2B5EF4-FFF2-40B4-BE49-F238E27FC236}">
-                    <a16:creationId xmlns:a16="http://schemas.microsoft.com/office/drawing/2014/main" id="{44032F3D-336D-45AC-85DD-4E904E2D9467}"/>
-                  </a:ext>
-                </a:extLst>
-              </p:cNvPr>
-              <p:cNvSpPr/>
-              <p:nvPr/>
-            </p:nvSpPr>
-            <p:spPr>
-              <a:xfrm>
-                <a:off x="1136723" y="2332805"/>
-                <a:ext cx="1626898" cy="450795"/>
-              </a:xfrm>
-              <a:prstGeom prst="rect">
-                <a:avLst/>
-              </a:prstGeom>
-              <a:ln w="76200">
-                <a:noFill/>
-                <a:tailEnd type="triangle"/>
-              </a:ln>
-            </p:spPr>
-            <p:style>
-              <a:lnRef idx="1">
-                <a:schemeClr val="accent1"/>
-              </a:lnRef>
-              <a:fillRef idx="0">
-                <a:schemeClr val="accent1"/>
-              </a:fillRef>
-              <a:effectRef idx="0">
-                <a:schemeClr val="accent1"/>
-              </a:effectRef>
-              <a:fontRef idx="minor">
-                <a:schemeClr val="tx1"/>
-              </a:fontRef>
-            </p:style>
-            <p:txBody>
-              <a:bodyPr rtlCol="0" anchor="ctr"/>
-              <a:lstStyle/>
-              <a:p>
-                <a:pPr algn="ctr"/>
-                <a:r>
-                  <a:rPr lang="en-US" altLang="ko-KR" sz="1000" dirty="0"/>
-                  <a:t>Python</a:t>
-                </a:r>
-              </a:p>
-              <a:p>
-                <a:pPr algn="ctr"/>
-                <a:r>
-                  <a:rPr lang="en-US" altLang="ko-KR" sz="1000" dirty="0"/>
-                  <a:t>(</a:t>
-                </a:r>
-                <a:r>
-                  <a:rPr lang="en-US" altLang="ko-KR" sz="1000" dirty="0" err="1"/>
-                  <a:t>Jupyter</a:t>
-                </a:r>
-                <a:r>
-                  <a:rPr lang="en-US" altLang="ko-KR" sz="1000" dirty="0"/>
-                  <a:t> Notebook)</a:t>
-                </a:r>
-                <a:endParaRPr lang="ko-KR" altLang="en-US" sz="1000" dirty="0">
-                  <a:solidFill>
-                    <a:schemeClr val="tx1"/>
-                  </a:solidFill>
-                </a:endParaRPr>
-              </a:p>
-            </p:txBody>
-          </p:sp>
-        </p:grpSp>
-        <p:sp>
-          <p:nvSpPr>
-            <p:cNvPr id="7" name="직사각형 6">
-              <a:extLst>
-                <a:ext uri="{FF2B5EF4-FFF2-40B4-BE49-F238E27FC236}">
-                  <a16:creationId xmlns:a16="http://schemas.microsoft.com/office/drawing/2014/main" id="{C7B4D679-17BF-4E64-9604-52908680B070}"/>
+                  <a16:creationId xmlns:a16="http://schemas.microsoft.com/office/drawing/2014/main" id="{938DF8CD-3271-4629-A0C4-15378DA07DE8}"/>
                 </a:ext>
               </a:extLst>
             </p:cNvPr>
@@ -4737,8 +4426,8 @@
           </p:nvSpPr>
           <p:spPr>
             <a:xfrm>
-              <a:off x="2639436" y="2107644"/>
-              <a:ext cx="979566" cy="240401"/>
+              <a:off x="2916175" y="1593158"/>
+              <a:ext cx="1257793" cy="450795"/>
             </a:xfrm>
             <a:prstGeom prst="rect">
               <a:avLst/>
@@ -4768,22 +4457,123 @@
             <a:p>
               <a:pPr algn="ctr"/>
               <a:r>
-                <a:rPr lang="ko-KR" altLang="en-US" sz="900" dirty="0">
+                <a:rPr lang="ko-KR" altLang="en-US" sz="1400" dirty="0">
                   <a:solidFill>
                     <a:schemeClr val="tx1"/>
                   </a:solidFill>
                 </a:rPr>
-                <a:t>데이터 수집</a:t>
+                <a:t>중소벤처기업부</a:t>
               </a:r>
+              <a:r>
+                <a:rPr lang="en-US" altLang="ko-KR" sz="1400" dirty="0"/>
+                <a:t> </a:t>
+              </a:r>
+              <a:r>
+                <a:rPr lang="ko-KR" altLang="en-US" sz="1400" dirty="0"/>
+                <a:t>사이트 </a:t>
+              </a:r>
+              <a:r>
+                <a:rPr lang="ko-KR" altLang="en-US" sz="1400" dirty="0">
+                  <a:solidFill>
+                    <a:schemeClr val="tx1"/>
+                  </a:solidFill>
+                </a:rPr>
+                <a:t>주제별 통계</a:t>
+              </a:r>
+              <a:endParaRPr lang="en-US" altLang="ko-KR" sz="1400" dirty="0">
+                <a:solidFill>
+                  <a:schemeClr val="tx1"/>
+                </a:solidFill>
+              </a:endParaRPr>
+            </a:p>
+            <a:p>
+              <a:pPr algn="ctr"/>
+              <a:r>
+                <a:rPr lang="en-US" altLang="ko-KR" sz="1400" dirty="0">
+                  <a:solidFill>
+                    <a:schemeClr val="tx1"/>
+                  </a:solidFill>
+                </a:rPr>
+                <a:t>‘</a:t>
+              </a:r>
+              <a:r>
+                <a:rPr lang="ko-KR" altLang="en-US" sz="1400" dirty="0">
+                  <a:solidFill>
+                    <a:schemeClr val="tx1"/>
+                  </a:solidFill>
+                </a:rPr>
+                <a:t>중소기업</a:t>
+              </a:r>
+              <a:r>
+                <a:rPr lang="en-US" altLang="ko-KR" sz="1400" dirty="0">
+                  <a:solidFill>
+                    <a:schemeClr val="tx1"/>
+                  </a:solidFill>
+                </a:rPr>
+                <a:t>’</a:t>
+              </a:r>
+              <a:r>
+                <a:rPr lang="ko-KR" altLang="en-US" sz="1400" dirty="0">
+                  <a:solidFill>
+                    <a:schemeClr val="tx1"/>
+                  </a:solidFill>
+                </a:rPr>
+                <a:t> 관련</a:t>
+              </a:r>
+              <a:r>
+                <a:rPr lang="en-US" altLang="ko-KR" sz="1400" dirty="0"/>
+                <a:t> </a:t>
+              </a:r>
+              <a:r>
+                <a:rPr lang="ko-KR" altLang="en-US" sz="1400" dirty="0">
+                  <a:solidFill>
+                    <a:schemeClr val="tx1"/>
+                  </a:solidFill>
+                </a:rPr>
+                <a:t>데이터</a:t>
+              </a:r>
+              <a:endParaRPr lang="en-US" altLang="ko-KR" sz="1400" dirty="0">
+                <a:solidFill>
+                  <a:schemeClr val="tx1"/>
+                </a:solidFill>
+              </a:endParaRPr>
+            </a:p>
+            <a:p>
+              <a:pPr algn="ctr"/>
+              <a:r>
+                <a:rPr lang="en-US" altLang="ko-KR" sz="1400" dirty="0"/>
+                <a:t>(’19. 2 ~ ’20. 1, </a:t>
+              </a:r>
+              <a:r>
+                <a:rPr lang="ko-KR" altLang="en-US" sz="1400" dirty="0"/>
+                <a:t>총 </a:t>
+              </a:r>
+              <a:r>
+                <a:rPr lang="en-US" altLang="ko-KR" sz="1400" dirty="0"/>
+                <a:t>12</a:t>
+              </a:r>
+              <a:r>
+                <a:rPr lang="ko-KR" altLang="en-US" sz="1400" dirty="0"/>
+                <a:t>개월</a:t>
+              </a:r>
+              <a:r>
+                <a:rPr lang="en-US" altLang="ko-KR" sz="1400" dirty="0"/>
+                <a:t>)</a:t>
+              </a:r>
+              <a:endParaRPr lang="ko-KR" altLang="en-US" sz="1400" dirty="0">
+                <a:solidFill>
+                  <a:schemeClr val="tx1"/>
+                </a:solidFill>
+              </a:endParaRPr>
             </a:p>
           </p:txBody>
         </p:sp>
         <p:sp>
           <p:nvSpPr>
-            <p:cNvPr id="12" name="직사각형 11">
+            <p:cNvPr id="5" name="직사각형 4">
               <a:extLst>
                 <a:ext uri="{FF2B5EF4-FFF2-40B4-BE49-F238E27FC236}">
-                  <a16:creationId xmlns:a16="http://schemas.microsoft.com/office/drawing/2014/main" id="{1B14B9DF-8DC8-46ED-B380-CDA730CB9701}"/>
+                  <a16:creationId xmlns:a16="http://schemas.microsoft.com/office/drawing/2014/main" id="{D8EA837D-7064-45F4-94F6-85310CC397A1}"/>
                 </a:ext>
               </a:extLst>
             </p:cNvPr>
@@ -4792,8 +4582,813 @@
           </p:nvSpPr>
           <p:spPr>
             <a:xfrm>
-              <a:off x="2089901" y="2863999"/>
-              <a:ext cx="1224789" cy="330698"/>
+              <a:off x="2807746" y="1559341"/>
+              <a:ext cx="1467024" cy="495370"/>
+            </a:xfrm>
+            <a:prstGeom prst="rect">
+              <a:avLst/>
+            </a:prstGeom>
+            <a:ln w="6350">
+              <a:solidFill>
+                <a:schemeClr val="accent1">
+                  <a:lumMod val="50000"/>
+                </a:schemeClr>
+              </a:solidFill>
+              <a:tailEnd type="triangle"/>
+            </a:ln>
+          </p:spPr>
+          <p:style>
+            <a:lnRef idx="1">
+              <a:schemeClr val="accent1"/>
+            </a:lnRef>
+            <a:fillRef idx="0">
+              <a:schemeClr val="accent1"/>
+            </a:fillRef>
+            <a:effectRef idx="0">
+              <a:schemeClr val="accent1"/>
+            </a:effectRef>
+            <a:fontRef idx="minor">
+              <a:schemeClr val="tx1"/>
+            </a:fontRef>
+          </p:style>
+          <p:txBody>
+            <a:bodyPr rot="0" spcFirstLastPara="0" vertOverflow="overflow" horzOverflow="overflow" vert="horz" wrap="square" lIns="91440" tIns="45720" rIns="91440" bIns="45720" numCol="1" spcCol="0" rtlCol="0" fromWordArt="0" anchor="ctr" anchorCtr="0" forceAA="0" compatLnSpc="1">
+              <a:prstTxWarp prst="textNoShape">
+                <a:avLst/>
+              </a:prstTxWarp>
+              <a:noAutofit/>
+            </a:bodyPr>
+            <a:lstStyle/>
+            <a:p>
+              <a:pPr algn="ctr"/>
+              <a:endParaRPr lang="en-US" altLang="ko-KR" sz="1400" dirty="0"/>
+            </a:p>
+          </p:txBody>
+        </p:sp>
+      </p:grpSp>
+      <p:grpSp>
+        <p:nvGrpSpPr>
+          <p:cNvPr id="10" name="그룹 9">
+            <a:extLst>
+              <a:ext uri="{FF2B5EF4-FFF2-40B4-BE49-F238E27FC236}">
+                <a16:creationId xmlns:a16="http://schemas.microsoft.com/office/drawing/2014/main" id="{FF4E10C8-9FBF-495B-A15D-292475392ECA}"/>
+              </a:ext>
+            </a:extLst>
+          </p:cNvPr>
+          <p:cNvGrpSpPr/>
+          <p:nvPr/>
+        </p:nvGrpSpPr>
+        <p:grpSpPr>
+          <a:xfrm>
+            <a:off x="602156" y="3220956"/>
+            <a:ext cx="3860688" cy="2361455"/>
+            <a:chOff x="1136723" y="2332805"/>
+            <a:chExt cx="3138047" cy="2192389"/>
+          </a:xfrm>
+        </p:grpSpPr>
+        <p:sp>
+          <p:nvSpPr>
+            <p:cNvPr id="4" name="직사각형 3">
+              <a:extLst>
+                <a:ext uri="{FF2B5EF4-FFF2-40B4-BE49-F238E27FC236}">
+                  <a16:creationId xmlns:a16="http://schemas.microsoft.com/office/drawing/2014/main" id="{EE833AF2-A985-49AD-B37D-1DA794FC1921}"/>
+                </a:ext>
+              </a:extLst>
+            </p:cNvPr>
+            <p:cNvSpPr/>
+            <p:nvPr/>
+          </p:nvSpPr>
+          <p:spPr>
+            <a:xfrm>
+              <a:off x="1136724" y="2332805"/>
+              <a:ext cx="3138046" cy="2192389"/>
+            </a:xfrm>
+            <a:prstGeom prst="rect">
+              <a:avLst/>
+            </a:prstGeom>
+            <a:ln w="6350">
+              <a:solidFill>
+                <a:schemeClr val="accent1">
+                  <a:lumMod val="50000"/>
+                </a:schemeClr>
+              </a:solidFill>
+              <a:tailEnd type="triangle"/>
+            </a:ln>
+          </p:spPr>
+          <p:style>
+            <a:lnRef idx="1">
+              <a:schemeClr val="accent1"/>
+            </a:lnRef>
+            <a:fillRef idx="0">
+              <a:schemeClr val="accent1"/>
+            </a:fillRef>
+            <a:effectRef idx="0">
+              <a:schemeClr val="accent1"/>
+            </a:effectRef>
+            <a:fontRef idx="minor">
+              <a:schemeClr val="tx1"/>
+            </a:fontRef>
+          </p:style>
+          <p:txBody>
+            <a:bodyPr rot="0" spcFirstLastPara="0" vertOverflow="overflow" horzOverflow="overflow" vert="horz" wrap="square" lIns="91440" tIns="45720" rIns="91440" bIns="45720" numCol="1" spcCol="0" rtlCol="0" fromWordArt="0" anchor="ctr" anchorCtr="0" forceAA="0" compatLnSpc="1">
+              <a:prstTxWarp prst="textNoShape">
+                <a:avLst/>
+              </a:prstTxWarp>
+              <a:noAutofit/>
+            </a:bodyPr>
+            <a:lstStyle/>
+            <a:p>
+              <a:pPr algn="ctr"/>
+              <a:endParaRPr lang="en-US" altLang="ko-KR" sz="1400" b="1" dirty="0"/>
+            </a:p>
+          </p:txBody>
+        </p:sp>
+        <p:sp>
+          <p:nvSpPr>
+            <p:cNvPr id="6" name="직사각형 5">
+              <a:extLst>
+                <a:ext uri="{FF2B5EF4-FFF2-40B4-BE49-F238E27FC236}">
+                  <a16:creationId xmlns:a16="http://schemas.microsoft.com/office/drawing/2014/main" id="{44032F3D-336D-45AC-85DD-4E904E2D9467}"/>
+                </a:ext>
+              </a:extLst>
+            </p:cNvPr>
+            <p:cNvSpPr/>
+            <p:nvPr/>
+          </p:nvSpPr>
+          <p:spPr>
+            <a:xfrm>
+              <a:off x="1136723" y="2332805"/>
+              <a:ext cx="1626898" cy="450795"/>
+            </a:xfrm>
+            <a:prstGeom prst="rect">
+              <a:avLst/>
+            </a:prstGeom>
+            <a:ln w="76200">
+              <a:noFill/>
+              <a:tailEnd type="triangle"/>
+            </a:ln>
+          </p:spPr>
+          <p:style>
+            <a:lnRef idx="1">
+              <a:schemeClr val="accent1"/>
+            </a:lnRef>
+            <a:fillRef idx="0">
+              <a:schemeClr val="accent1"/>
+            </a:fillRef>
+            <a:effectRef idx="0">
+              <a:schemeClr val="accent1"/>
+            </a:effectRef>
+            <a:fontRef idx="minor">
+              <a:schemeClr val="tx1"/>
+            </a:fontRef>
+          </p:style>
+          <p:txBody>
+            <a:bodyPr rtlCol="0" anchor="ctr"/>
+            <a:lstStyle/>
+            <a:p>
+              <a:pPr algn="ctr"/>
+              <a:r>
+                <a:rPr lang="en-US" altLang="ko-KR" sz="1400" dirty="0"/>
+                <a:t>Python</a:t>
+              </a:r>
+            </a:p>
+            <a:p>
+              <a:pPr algn="ctr"/>
+              <a:r>
+                <a:rPr lang="en-US" altLang="ko-KR" sz="1400" dirty="0"/>
+                <a:t>(</a:t>
+              </a:r>
+              <a:r>
+                <a:rPr lang="en-US" altLang="ko-KR" sz="1400" dirty="0" err="1"/>
+                <a:t>Jupyter</a:t>
+              </a:r>
+              <a:r>
+                <a:rPr lang="en-US" altLang="ko-KR" sz="1400" dirty="0"/>
+                <a:t> Notebook)</a:t>
+              </a:r>
+              <a:endParaRPr lang="ko-KR" altLang="en-US" sz="1400" dirty="0">
+                <a:solidFill>
+                  <a:schemeClr val="tx1"/>
+                </a:solidFill>
+              </a:endParaRPr>
+            </a:p>
+          </p:txBody>
+        </p:sp>
+      </p:grpSp>
+      <p:sp>
+        <p:nvSpPr>
+          <p:cNvPr id="7" name="직사각형 6">
+            <a:extLst>
+              <a:ext uri="{FF2B5EF4-FFF2-40B4-BE49-F238E27FC236}">
+                <a16:creationId xmlns:a16="http://schemas.microsoft.com/office/drawing/2014/main" id="{C7B4D679-17BF-4E64-9604-52908680B070}"/>
+              </a:ext>
+            </a:extLst>
+          </p:cNvPr>
+          <p:cNvSpPr/>
+          <p:nvPr/>
+        </p:nvSpPr>
+        <p:spPr>
+          <a:xfrm>
+            <a:off x="3251032" y="2674035"/>
+            <a:ext cx="1850946" cy="402660"/>
+          </a:xfrm>
+          <a:prstGeom prst="rect">
+            <a:avLst/>
+          </a:prstGeom>
+          <a:ln w="76200">
+            <a:noFill/>
+            <a:tailEnd type="triangle"/>
+          </a:ln>
+        </p:spPr>
+        <p:style>
+          <a:lnRef idx="1">
+            <a:schemeClr val="accent1"/>
+          </a:lnRef>
+          <a:fillRef idx="0">
+            <a:schemeClr val="accent1"/>
+          </a:fillRef>
+          <a:effectRef idx="0">
+            <a:schemeClr val="accent1"/>
+          </a:effectRef>
+          <a:fontRef idx="minor">
+            <a:schemeClr val="tx1"/>
+          </a:fontRef>
+        </p:style>
+        <p:txBody>
+          <a:bodyPr rtlCol="0" anchor="ctr"/>
+          <a:lstStyle/>
+          <a:p>
+            <a:pPr algn="ctr"/>
+            <a:r>
+              <a:rPr lang="ko-KR" altLang="en-US" sz="1600" dirty="0">
+                <a:solidFill>
+                  <a:schemeClr val="tx1"/>
+                </a:solidFill>
+              </a:rPr>
+              <a:t>데이터 수집</a:t>
+            </a:r>
+          </a:p>
+        </p:txBody>
+      </p:sp>
+      <p:sp>
+        <p:nvSpPr>
+          <p:cNvPr id="12" name="직사각형 11">
+            <a:extLst>
+              <a:ext uri="{FF2B5EF4-FFF2-40B4-BE49-F238E27FC236}">
+                <a16:creationId xmlns:a16="http://schemas.microsoft.com/office/drawing/2014/main" id="{1B14B9DF-8DC8-46ED-B380-CDA730CB9701}"/>
+              </a:ext>
+            </a:extLst>
+          </p:cNvPr>
+          <p:cNvSpPr/>
+          <p:nvPr/>
+        </p:nvSpPr>
+        <p:spPr>
+          <a:xfrm>
+            <a:off x="1976567" y="3750953"/>
+            <a:ext cx="2314308" cy="553902"/>
+          </a:xfrm>
+          <a:prstGeom prst="rect">
+            <a:avLst/>
+          </a:prstGeom>
+          <a:ln w="6350">
+            <a:solidFill>
+              <a:schemeClr val="accent1">
+                <a:lumMod val="50000"/>
+              </a:schemeClr>
+            </a:solidFill>
+            <a:tailEnd type="triangle"/>
+          </a:ln>
+        </p:spPr>
+        <p:style>
+          <a:lnRef idx="1">
+            <a:schemeClr val="accent1"/>
+          </a:lnRef>
+          <a:fillRef idx="0">
+            <a:schemeClr val="accent1"/>
+          </a:fillRef>
+          <a:effectRef idx="0">
+            <a:schemeClr val="accent1"/>
+          </a:effectRef>
+          <a:fontRef idx="minor">
+            <a:schemeClr val="tx1"/>
+          </a:fontRef>
+        </p:style>
+        <p:txBody>
+          <a:bodyPr rot="0" spcFirstLastPara="0" vertOverflow="overflow" horzOverflow="overflow" vert="horz" wrap="square" lIns="91440" tIns="45720" rIns="91440" bIns="45720" numCol="1" spcCol="0" rtlCol="0" fromWordArt="0" anchor="ctr" anchorCtr="0" forceAA="0" compatLnSpc="1">
+            <a:prstTxWarp prst="textNoShape">
+              <a:avLst/>
+            </a:prstTxWarp>
+            <a:noAutofit/>
+          </a:bodyPr>
+          <a:lstStyle/>
+          <a:p>
+            <a:pPr algn="ctr"/>
+            <a:r>
+              <a:rPr lang="ko-KR" altLang="en-US" sz="1400" dirty="0"/>
+              <a:t>  데이터 가공</a:t>
+            </a:r>
+            <a:r>
+              <a:rPr lang="en-US" altLang="ko-KR" sz="1400" dirty="0"/>
+              <a:t>_1.ipynb</a:t>
+            </a:r>
+          </a:p>
+        </p:txBody>
+      </p:sp>
+      <p:cxnSp>
+        <p:nvCxnSpPr>
+          <p:cNvPr id="14" name="직선 화살표 연결선 13">
+            <a:extLst>
+              <a:ext uri="{FF2B5EF4-FFF2-40B4-BE49-F238E27FC236}">
+                <a16:creationId xmlns:a16="http://schemas.microsoft.com/office/drawing/2014/main" id="{FD70C8ED-8435-445B-BBED-9EED0C0E06E6}"/>
+              </a:ext>
+            </a:extLst>
+          </p:cNvPr>
+          <p:cNvCxnSpPr>
+            <a:cxnSpLocks/>
+            <a:stCxn id="5" idx="1"/>
+            <a:endCxn id="12" idx="0"/>
+          </p:cNvCxnSpPr>
+          <p:nvPr/>
+        </p:nvCxnSpPr>
+        <p:spPr>
+          <a:xfrm rot="10800000" flipV="1">
+            <a:off x="3133722" y="1885641"/>
+            <a:ext cx="637041" cy="1865311"/>
+          </a:xfrm>
+          <a:prstGeom prst="bentConnector2">
+            <a:avLst/>
+          </a:prstGeom>
+          <a:ln>
+            <a:solidFill>
+              <a:schemeClr val="tx1"/>
+            </a:solidFill>
+            <a:tailEnd type="triangle"/>
+          </a:ln>
+        </p:spPr>
+        <p:style>
+          <a:lnRef idx="1">
+            <a:schemeClr val="accent1"/>
+          </a:lnRef>
+          <a:fillRef idx="0">
+            <a:schemeClr val="accent1"/>
+          </a:fillRef>
+          <a:effectRef idx="0">
+            <a:schemeClr val="accent1"/>
+          </a:effectRef>
+          <a:fontRef idx="minor">
+            <a:schemeClr val="tx1"/>
+          </a:fontRef>
+        </p:style>
+      </p:cxnSp>
+      <p:cxnSp>
+        <p:nvCxnSpPr>
+          <p:cNvPr id="22" name="직선 화살표 연결선 13">
+            <a:extLst>
+              <a:ext uri="{FF2B5EF4-FFF2-40B4-BE49-F238E27FC236}">
+                <a16:creationId xmlns:a16="http://schemas.microsoft.com/office/drawing/2014/main" id="{75DDD4FF-2DDB-4489-B453-9C130BD364B5}"/>
+              </a:ext>
+            </a:extLst>
+          </p:cNvPr>
+          <p:cNvCxnSpPr>
+            <a:cxnSpLocks/>
+            <a:stCxn id="99" idx="3"/>
+          </p:cNvCxnSpPr>
+          <p:nvPr/>
+        </p:nvCxnSpPr>
+        <p:spPr>
+          <a:xfrm>
+            <a:off x="4292325" y="5134786"/>
+            <a:ext cx="710679" cy="0"/>
+          </a:xfrm>
+          <a:prstGeom prst="straightConnector1">
+            <a:avLst/>
+          </a:prstGeom>
+          <a:ln>
+            <a:solidFill>
+              <a:schemeClr val="tx1"/>
+            </a:solidFill>
+            <a:tailEnd type="triangle"/>
+          </a:ln>
+        </p:spPr>
+        <p:style>
+          <a:lnRef idx="1">
+            <a:schemeClr val="accent1"/>
+          </a:lnRef>
+          <a:fillRef idx="0">
+            <a:schemeClr val="accent1"/>
+          </a:fillRef>
+          <a:effectRef idx="0">
+            <a:schemeClr val="accent1"/>
+          </a:effectRef>
+          <a:fontRef idx="minor">
+            <a:schemeClr val="tx1"/>
+          </a:fontRef>
+        </p:style>
+      </p:cxnSp>
+      <p:grpSp>
+        <p:nvGrpSpPr>
+          <p:cNvPr id="24" name="그룹 23">
+            <a:extLst>
+              <a:ext uri="{FF2B5EF4-FFF2-40B4-BE49-F238E27FC236}">
+                <a16:creationId xmlns:a16="http://schemas.microsoft.com/office/drawing/2014/main" id="{0E658ECE-C113-4A61-9A50-A5AF7ACD4221}"/>
+              </a:ext>
+            </a:extLst>
+          </p:cNvPr>
+          <p:cNvGrpSpPr/>
+          <p:nvPr/>
+        </p:nvGrpSpPr>
+        <p:grpSpPr>
+          <a:xfrm>
+            <a:off x="9034290" y="2961944"/>
+            <a:ext cx="2367135" cy="3000706"/>
+            <a:chOff x="2672955" y="2332805"/>
+            <a:chExt cx="1601815" cy="2192389"/>
+          </a:xfrm>
+        </p:grpSpPr>
+        <p:sp>
+          <p:nvSpPr>
+            <p:cNvPr id="25" name="직사각형 24">
+              <a:extLst>
+                <a:ext uri="{FF2B5EF4-FFF2-40B4-BE49-F238E27FC236}">
+                  <a16:creationId xmlns:a16="http://schemas.microsoft.com/office/drawing/2014/main" id="{6DEEDC63-FBA6-4506-A4E2-5B14A18423FC}"/>
+                </a:ext>
+              </a:extLst>
+            </p:cNvPr>
+            <p:cNvSpPr/>
+            <p:nvPr/>
+          </p:nvSpPr>
+          <p:spPr>
+            <a:xfrm>
+              <a:off x="2672955" y="2332805"/>
+              <a:ext cx="1601815" cy="2192389"/>
+            </a:xfrm>
+            <a:prstGeom prst="rect">
+              <a:avLst/>
+            </a:prstGeom>
+            <a:ln w="6350">
+              <a:solidFill>
+                <a:schemeClr val="accent1">
+                  <a:lumMod val="50000"/>
+                </a:schemeClr>
+              </a:solidFill>
+              <a:tailEnd type="triangle"/>
+            </a:ln>
+          </p:spPr>
+          <p:style>
+            <a:lnRef idx="1">
+              <a:schemeClr val="accent1"/>
+            </a:lnRef>
+            <a:fillRef idx="0">
+              <a:schemeClr val="accent1"/>
+            </a:fillRef>
+            <a:effectRef idx="0">
+              <a:schemeClr val="accent1"/>
+            </a:effectRef>
+            <a:fontRef idx="minor">
+              <a:schemeClr val="tx1"/>
+            </a:fontRef>
+          </p:style>
+          <p:txBody>
+            <a:bodyPr rot="0" spcFirstLastPara="0" vertOverflow="overflow" horzOverflow="overflow" vert="horz" wrap="square" lIns="91440" tIns="45720" rIns="91440" bIns="45720" numCol="1" spcCol="0" rtlCol="0" fromWordArt="0" anchor="ctr" anchorCtr="0" forceAA="0" compatLnSpc="1">
+              <a:prstTxWarp prst="textNoShape">
+                <a:avLst/>
+              </a:prstTxWarp>
+              <a:noAutofit/>
+            </a:bodyPr>
+            <a:lstStyle/>
+            <a:p>
+              <a:pPr algn="ctr"/>
+              <a:endParaRPr lang="en-US" altLang="ko-KR" sz="1400" b="1" dirty="0"/>
+            </a:p>
+          </p:txBody>
+        </p:sp>
+        <p:sp>
+          <p:nvSpPr>
+            <p:cNvPr id="26" name="직사각형 25">
+              <a:extLst>
+                <a:ext uri="{FF2B5EF4-FFF2-40B4-BE49-F238E27FC236}">
+                  <a16:creationId xmlns:a16="http://schemas.microsoft.com/office/drawing/2014/main" id="{23E19FD6-6DB1-4C42-AB05-E3F265A4D03F}"/>
+                </a:ext>
+              </a:extLst>
+            </p:cNvPr>
+            <p:cNvSpPr/>
+            <p:nvPr/>
+          </p:nvSpPr>
+          <p:spPr>
+            <a:xfrm>
+              <a:off x="2681036" y="2332806"/>
+              <a:ext cx="1590713" cy="310241"/>
+            </a:xfrm>
+            <a:prstGeom prst="rect">
+              <a:avLst/>
+            </a:prstGeom>
+            <a:ln w="76200">
+              <a:noFill/>
+              <a:tailEnd type="triangle"/>
+            </a:ln>
+          </p:spPr>
+          <p:style>
+            <a:lnRef idx="1">
+              <a:schemeClr val="accent1"/>
+            </a:lnRef>
+            <a:fillRef idx="0">
+              <a:schemeClr val="accent1"/>
+            </a:fillRef>
+            <a:effectRef idx="0">
+              <a:schemeClr val="accent1"/>
+            </a:effectRef>
+            <a:fontRef idx="minor">
+              <a:schemeClr val="tx1"/>
+            </a:fontRef>
+          </p:style>
+          <p:txBody>
+            <a:bodyPr rtlCol="0" anchor="ctr"/>
+            <a:lstStyle/>
+            <a:p>
+              <a:pPr algn="ctr"/>
+              <a:r>
+                <a:rPr lang="en-US" altLang="ko-KR" sz="1400" dirty="0">
+                  <a:solidFill>
+                    <a:schemeClr val="tx1"/>
+                  </a:solidFill>
+                </a:rPr>
+                <a:t>Django</a:t>
+              </a:r>
+            </a:p>
+            <a:p>
+              <a:pPr algn="ctr"/>
+              <a:r>
+                <a:rPr lang="en-US" altLang="ko-KR" sz="1400" dirty="0">
+                  <a:solidFill>
+                    <a:schemeClr val="tx1"/>
+                  </a:solidFill>
+                </a:rPr>
+                <a:t>(VS code)</a:t>
+              </a:r>
+              <a:endParaRPr lang="ko-KR" altLang="en-US" sz="1400" dirty="0">
+                <a:solidFill>
+                  <a:schemeClr val="tx1"/>
+                </a:solidFill>
+              </a:endParaRPr>
+            </a:p>
+          </p:txBody>
+        </p:sp>
+      </p:grpSp>
+      <p:sp>
+        <p:nvSpPr>
+          <p:cNvPr id="29" name="원통형 28">
+            <a:extLst>
+              <a:ext uri="{FF2B5EF4-FFF2-40B4-BE49-F238E27FC236}">
+                <a16:creationId xmlns:a16="http://schemas.microsoft.com/office/drawing/2014/main" id="{771CACC3-3DF1-4B45-9147-B93C69600050}"/>
+              </a:ext>
+            </a:extLst>
+          </p:cNvPr>
+          <p:cNvSpPr/>
+          <p:nvPr/>
+        </p:nvSpPr>
+        <p:spPr>
+          <a:xfrm>
+            <a:off x="6898377" y="3547126"/>
+            <a:ext cx="1849332" cy="1942027"/>
+          </a:xfrm>
+          <a:prstGeom prst="can">
+            <a:avLst/>
+          </a:prstGeom>
+          <a:ln w="6350">
+            <a:solidFill>
+              <a:schemeClr val="accent1">
+                <a:lumMod val="50000"/>
+              </a:schemeClr>
+            </a:solidFill>
+            <a:tailEnd type="triangle"/>
+          </a:ln>
+        </p:spPr>
+        <p:style>
+          <a:lnRef idx="1">
+            <a:schemeClr val="accent1"/>
+          </a:lnRef>
+          <a:fillRef idx="0">
+            <a:schemeClr val="accent1"/>
+          </a:fillRef>
+          <a:effectRef idx="0">
+            <a:schemeClr val="accent1"/>
+          </a:effectRef>
+          <a:fontRef idx="minor">
+            <a:schemeClr val="tx1"/>
+          </a:fontRef>
+        </p:style>
+        <p:txBody>
+          <a:bodyPr rot="0" spcFirstLastPara="0" vertOverflow="overflow" horzOverflow="overflow" vert="horz" wrap="square" lIns="91440" tIns="45720" rIns="91440" bIns="45720" numCol="1" spcCol="0" rtlCol="0" fromWordArt="0" anchor="ctr" anchorCtr="0" forceAA="0" compatLnSpc="1">
+            <a:prstTxWarp prst="textNoShape">
+              <a:avLst/>
+            </a:prstTxWarp>
+            <a:noAutofit/>
+          </a:bodyPr>
+          <a:lstStyle/>
+          <a:p>
+            <a:pPr algn="ctr"/>
+            <a:endParaRPr lang="ko-KR" altLang="en-US" sz="1400">
+              <a:solidFill>
+                <a:schemeClr val="tx1"/>
+              </a:solidFill>
+            </a:endParaRPr>
+          </a:p>
+        </p:txBody>
+      </p:sp>
+      <p:sp>
+        <p:nvSpPr>
+          <p:cNvPr id="30" name="직사각형 29">
+            <a:extLst>
+              <a:ext uri="{FF2B5EF4-FFF2-40B4-BE49-F238E27FC236}">
+                <a16:creationId xmlns:a16="http://schemas.microsoft.com/office/drawing/2014/main" id="{EEDA18A8-FB24-4C84-B0F5-89993DE727CB}"/>
+              </a:ext>
+            </a:extLst>
+          </p:cNvPr>
+          <p:cNvSpPr/>
+          <p:nvPr/>
+        </p:nvSpPr>
+        <p:spPr>
+          <a:xfrm>
+            <a:off x="6891850" y="3121443"/>
+            <a:ext cx="1849332" cy="402660"/>
+          </a:xfrm>
+          <a:prstGeom prst="rect">
+            <a:avLst/>
+          </a:prstGeom>
+          <a:ln w="76200">
+            <a:noFill/>
+            <a:tailEnd type="triangle"/>
+          </a:ln>
+        </p:spPr>
+        <p:style>
+          <a:lnRef idx="1">
+            <a:schemeClr val="accent1"/>
+          </a:lnRef>
+          <a:fillRef idx="0">
+            <a:schemeClr val="accent1"/>
+          </a:fillRef>
+          <a:effectRef idx="0">
+            <a:schemeClr val="accent1"/>
+          </a:effectRef>
+          <a:fontRef idx="minor">
+            <a:schemeClr val="tx1"/>
+          </a:fontRef>
+        </p:style>
+        <p:txBody>
+          <a:bodyPr rtlCol="0" anchor="ctr"/>
+          <a:lstStyle/>
+          <a:p>
+            <a:pPr algn="ctr"/>
+            <a:r>
+              <a:rPr lang="en-US" altLang="ko-KR" sz="1400" dirty="0"/>
+              <a:t>DB(MySQL)</a:t>
+            </a:r>
+            <a:endParaRPr lang="ko-KR" altLang="en-US" sz="1400" dirty="0">
+              <a:solidFill>
+                <a:schemeClr val="tx1"/>
+              </a:solidFill>
+            </a:endParaRPr>
+          </a:p>
+        </p:txBody>
+      </p:sp>
+      <p:sp>
+        <p:nvSpPr>
+          <p:cNvPr id="31" name="직사각형 30">
+            <a:extLst>
+              <a:ext uri="{FF2B5EF4-FFF2-40B4-BE49-F238E27FC236}">
+                <a16:creationId xmlns:a16="http://schemas.microsoft.com/office/drawing/2014/main" id="{9A592403-A9DB-4765-BC88-B208E939694D}"/>
+              </a:ext>
+            </a:extLst>
+          </p:cNvPr>
+          <p:cNvSpPr/>
+          <p:nvPr/>
+        </p:nvSpPr>
+        <p:spPr>
+          <a:xfrm>
+            <a:off x="4060753" y="5653079"/>
+            <a:ext cx="1303915" cy="402660"/>
+          </a:xfrm>
+          <a:prstGeom prst="rect">
+            <a:avLst/>
+          </a:prstGeom>
+          <a:ln w="76200">
+            <a:noFill/>
+            <a:tailEnd type="triangle"/>
+          </a:ln>
+        </p:spPr>
+        <p:style>
+          <a:lnRef idx="1">
+            <a:schemeClr val="accent1"/>
+          </a:lnRef>
+          <a:fillRef idx="0">
+            <a:schemeClr val="accent1"/>
+          </a:fillRef>
+          <a:effectRef idx="0">
+            <a:schemeClr val="accent1"/>
+          </a:effectRef>
+          <a:fontRef idx="minor">
+            <a:schemeClr val="tx1"/>
+          </a:fontRef>
+        </p:style>
+        <p:txBody>
+          <a:bodyPr rtlCol="0" anchor="ctr"/>
+          <a:lstStyle/>
+          <a:p>
+            <a:pPr algn="ctr"/>
+            <a:r>
+              <a:rPr lang="ko-KR" altLang="en-US" sz="1600" dirty="0">
+                <a:solidFill>
+                  <a:schemeClr val="tx1"/>
+                </a:solidFill>
+              </a:rPr>
+              <a:t>데이터 저장</a:t>
+            </a:r>
+          </a:p>
+        </p:txBody>
+      </p:sp>
+      <p:sp>
+        <p:nvSpPr>
+          <p:cNvPr id="32" name="직사각형 31">
+            <a:extLst>
+              <a:ext uri="{FF2B5EF4-FFF2-40B4-BE49-F238E27FC236}">
+                <a16:creationId xmlns:a16="http://schemas.microsoft.com/office/drawing/2014/main" id="{7135F3C7-C1E4-49C3-BD6E-4BA47EC5C2FD}"/>
+              </a:ext>
+            </a:extLst>
+          </p:cNvPr>
+          <p:cNvSpPr/>
+          <p:nvPr/>
+        </p:nvSpPr>
+        <p:spPr>
+          <a:xfrm>
+            <a:off x="7110058" y="4706173"/>
+            <a:ext cx="1849332" cy="609484"/>
+          </a:xfrm>
+          <a:prstGeom prst="rect">
+            <a:avLst/>
+          </a:prstGeom>
+          <a:ln w="76200">
+            <a:noFill/>
+            <a:tailEnd type="triangle"/>
+          </a:ln>
+        </p:spPr>
+        <p:style>
+          <a:lnRef idx="1">
+            <a:schemeClr val="accent1"/>
+          </a:lnRef>
+          <a:fillRef idx="0">
+            <a:schemeClr val="accent1"/>
+          </a:fillRef>
+          <a:effectRef idx="0">
+            <a:schemeClr val="accent1"/>
+          </a:effectRef>
+          <a:fontRef idx="minor">
+            <a:schemeClr val="tx1"/>
+          </a:fontRef>
+        </p:style>
+        <p:txBody>
+          <a:bodyPr rtlCol="0" anchor="ctr"/>
+          <a:lstStyle/>
+          <a:p>
+            <a:endParaRPr lang="en-US" altLang="ko-KR" sz="1100" dirty="0"/>
+          </a:p>
+        </p:txBody>
+      </p:sp>
+      <p:grpSp>
+        <p:nvGrpSpPr>
+          <p:cNvPr id="44" name="그룹 43">
+            <a:extLst>
+              <a:ext uri="{FF2B5EF4-FFF2-40B4-BE49-F238E27FC236}">
+                <a16:creationId xmlns:a16="http://schemas.microsoft.com/office/drawing/2014/main" id="{DC01C4A1-BC49-40B9-8264-E8E2C0EBDADB}"/>
+              </a:ext>
+            </a:extLst>
+          </p:cNvPr>
+          <p:cNvGrpSpPr/>
+          <p:nvPr/>
+        </p:nvGrpSpPr>
+        <p:grpSpPr>
+          <a:xfrm>
+            <a:off x="9132364" y="4462297"/>
+            <a:ext cx="2153764" cy="1381550"/>
+            <a:chOff x="5986415" y="3067372"/>
+            <a:chExt cx="978712" cy="762525"/>
+          </a:xfrm>
+        </p:grpSpPr>
+        <p:sp>
+          <p:nvSpPr>
+            <p:cNvPr id="34" name="직사각형 33">
+              <a:extLst>
+                <a:ext uri="{FF2B5EF4-FFF2-40B4-BE49-F238E27FC236}">
+                  <a16:creationId xmlns:a16="http://schemas.microsoft.com/office/drawing/2014/main" id="{ADA1D2F2-8BC0-4272-BCB9-1FE98B950DB5}"/>
+                </a:ext>
+              </a:extLst>
+            </p:cNvPr>
+            <p:cNvSpPr/>
+            <p:nvPr/>
+          </p:nvSpPr>
+          <p:spPr>
+            <a:xfrm>
+              <a:off x="5986415" y="3067372"/>
+              <a:ext cx="978712" cy="253514"/>
             </a:xfrm>
             <a:prstGeom prst="rect">
               <a:avLst/>
@@ -4832,65 +5427,30 @@
             <a:p>
               <a:pPr algn="ctr"/>
               <a:r>
-                <a:rPr lang="en-US" altLang="ko-KR" sz="1000" dirty="0" err="1"/>
-                <a:t>Preprocess.ipynb</a:t>
+                <a:rPr lang="ko-KR" altLang="en-US" sz="1400" dirty="0"/>
+                <a:t>기본 탭</a:t>
               </a:r>
-              <a:endParaRPr lang="en-US" altLang="ko-KR" sz="1000" dirty="0"/>
+              <a:r>
+                <a:rPr lang="en-US" altLang="ko-KR" sz="1400" dirty="0"/>
+                <a:t>(</a:t>
+              </a:r>
+              <a:r>
+                <a:rPr lang="ko-KR" altLang="en-US" sz="1400" dirty="0"/>
+                <a:t>홈</a:t>
+              </a:r>
+              <a:r>
+                <a:rPr lang="en-US" altLang="ko-KR" sz="1400" dirty="0"/>
+                <a:t>)</a:t>
+              </a:r>
             </a:p>
           </p:txBody>
         </p:sp>
-        <p:cxnSp>
-          <p:nvCxnSpPr>
-            <p:cNvPr id="14" name="직선 화살표 연결선 13">
+        <p:sp>
+          <p:nvSpPr>
+            <p:cNvPr id="40" name="직사각형 39">
               <a:extLst>
                 <a:ext uri="{FF2B5EF4-FFF2-40B4-BE49-F238E27FC236}">
-                  <a16:creationId xmlns:a16="http://schemas.microsoft.com/office/drawing/2014/main" id="{FD70C8ED-8435-445B-BBED-9EED0C0E06E6}"/>
-                </a:ext>
-              </a:extLst>
-            </p:cNvPr>
-            <p:cNvCxnSpPr>
-              <a:cxnSpLocks/>
-              <a:stCxn id="5" idx="1"/>
-              <a:endCxn id="12" idx="0"/>
-            </p:cNvCxnSpPr>
-            <p:nvPr/>
-          </p:nvCxnSpPr>
-          <p:spPr>
-            <a:xfrm rot="10800000" flipV="1">
-              <a:off x="2702296" y="1633295"/>
-              <a:ext cx="337138" cy="1230703"/>
-            </a:xfrm>
-            <a:prstGeom prst="bentConnector2">
-              <a:avLst/>
-            </a:prstGeom>
-            <a:ln>
-              <a:solidFill>
-                <a:schemeClr val="tx1"/>
-              </a:solidFill>
-              <a:tailEnd type="triangle"/>
-            </a:ln>
-          </p:spPr>
-          <p:style>
-            <a:lnRef idx="1">
-              <a:schemeClr val="accent1"/>
-            </a:lnRef>
-            <a:fillRef idx="0">
-              <a:schemeClr val="accent1"/>
-            </a:fillRef>
-            <a:effectRef idx="0">
-              <a:schemeClr val="accent1"/>
-            </a:effectRef>
-            <a:fontRef idx="minor">
-              <a:schemeClr val="tx1"/>
-            </a:fontRef>
-          </p:style>
-        </p:cxnSp>
-        <p:sp>
-          <p:nvSpPr>
-            <p:cNvPr id="20" name="직사각형 19">
-              <a:extLst>
-                <a:ext uri="{FF2B5EF4-FFF2-40B4-BE49-F238E27FC236}">
-                  <a16:creationId xmlns:a16="http://schemas.microsoft.com/office/drawing/2014/main" id="{B5BA44A5-E4B1-486D-BF04-F21D65107A2E}"/>
+                  <a16:creationId xmlns:a16="http://schemas.microsoft.com/office/drawing/2014/main" id="{18106D92-64C9-4D67-B9C8-7AC5E10E7B3E}"/>
                 </a:ext>
               </a:extLst>
             </p:cNvPr>
@@ -4899,359 +5459,10 @@
           </p:nvSpPr>
           <p:spPr>
             <a:xfrm>
-              <a:off x="2045650" y="3276274"/>
-              <a:ext cx="1669100" cy="866861"/>
+              <a:off x="5986415" y="3322869"/>
+              <a:ext cx="978712" cy="253514"/>
             </a:xfrm>
             <a:prstGeom prst="rect">
-              <a:avLst/>
-            </a:prstGeom>
-            <a:ln w="76200">
-              <a:noFill/>
-              <a:tailEnd type="triangle"/>
-            </a:ln>
-          </p:spPr>
-          <p:style>
-            <a:lnRef idx="1">
-              <a:schemeClr val="accent1"/>
-            </a:lnRef>
-            <a:fillRef idx="0">
-              <a:schemeClr val="accent1"/>
-            </a:fillRef>
-            <a:effectRef idx="0">
-              <a:schemeClr val="accent1"/>
-            </a:effectRef>
-            <a:fontRef idx="minor">
-              <a:schemeClr val="tx1"/>
-            </a:fontRef>
-          </p:style>
-          <p:txBody>
-            <a:bodyPr rtlCol="0" anchor="ctr"/>
-            <a:lstStyle/>
-            <a:p>
-              <a:r>
-                <a:rPr lang="ko-KR" altLang="en-US" sz="1000" dirty="0">
-                  <a:solidFill>
-                    <a:schemeClr val="tx1"/>
-                  </a:solidFill>
-                </a:rPr>
-                <a:t>데이</a:t>
-              </a:r>
-              <a:r>
-                <a:rPr lang="ko-KR" altLang="en-US" sz="1000" dirty="0"/>
-                <a:t>터 </a:t>
-              </a:r>
-              <a:r>
-                <a:rPr lang="ko-KR" altLang="en-US" sz="1000" dirty="0" err="1"/>
-                <a:t>전처리</a:t>
-              </a:r>
-              <a:endParaRPr lang="en-US" altLang="ko-KR" sz="1000" dirty="0"/>
-            </a:p>
-            <a:p>
-              <a:endParaRPr lang="en-US" altLang="ko-KR" sz="100" dirty="0"/>
-            </a:p>
-            <a:p>
-              <a:r>
-                <a:rPr lang="ko-KR" altLang="en-US" sz="900" dirty="0">
-                  <a:solidFill>
-                    <a:schemeClr val="tx1"/>
-                  </a:solidFill>
-                </a:rPr>
-                <a:t>불필요 요소 삭제 및 추출</a:t>
-              </a:r>
-              <a:endParaRPr lang="en-US" altLang="ko-KR" sz="900" dirty="0">
-                <a:solidFill>
-                  <a:schemeClr val="tx1"/>
-                </a:solidFill>
-              </a:endParaRPr>
-            </a:p>
-            <a:p>
-              <a:r>
-                <a:rPr lang="en-US" altLang="ko-KR" sz="800" dirty="0"/>
-                <a:t>(</a:t>
-              </a:r>
-              <a:r>
-                <a:rPr lang="ko-KR" altLang="en-US" sz="800" dirty="0"/>
-                <a:t>광주</a:t>
-              </a:r>
-              <a:r>
-                <a:rPr lang="en-US" altLang="ko-KR" sz="800" dirty="0"/>
-                <a:t>/</a:t>
-              </a:r>
-              <a:r>
-                <a:rPr lang="ko-KR" altLang="en-US" sz="800" dirty="0"/>
-                <a:t>전남 소재 기업만 선택</a:t>
-              </a:r>
-              <a:r>
-                <a:rPr lang="en-US" altLang="ko-KR" sz="800" dirty="0"/>
-                <a:t>)</a:t>
-              </a:r>
-            </a:p>
-            <a:p>
-              <a:r>
-                <a:rPr lang="ko-KR" altLang="en-US" sz="900" dirty="0"/>
-                <a:t>데이터 형태 가공</a:t>
-              </a:r>
-              <a:endParaRPr lang="en-US" altLang="ko-KR" sz="900" dirty="0"/>
-            </a:p>
-            <a:p>
-              <a:r>
-                <a:rPr lang="ko-KR" altLang="en-US" sz="900" dirty="0"/>
-                <a:t>데이터프레임 분리</a:t>
-              </a:r>
-              <a:r>
-                <a:rPr lang="en-US" altLang="ko-KR" sz="900" dirty="0"/>
-                <a:t>(</a:t>
-              </a:r>
-              <a:r>
-                <a:rPr lang="ko-KR" altLang="en-US" sz="900" dirty="0"/>
-                <a:t>기업별</a:t>
-              </a:r>
-              <a:r>
-                <a:rPr lang="en-US" altLang="ko-KR" sz="900" dirty="0"/>
-                <a:t>)</a:t>
-              </a:r>
-            </a:p>
-            <a:p>
-              <a:r>
-                <a:rPr lang="ko-KR" altLang="en-US" sz="900" dirty="0"/>
-                <a:t>예측모델 생성</a:t>
-              </a:r>
-              <a:endParaRPr lang="ko-KR" altLang="en-US" sz="900" dirty="0">
-                <a:solidFill>
-                  <a:schemeClr val="tx1"/>
-                </a:solidFill>
-              </a:endParaRPr>
-            </a:p>
-          </p:txBody>
-        </p:sp>
-        <p:cxnSp>
-          <p:nvCxnSpPr>
-            <p:cNvPr id="22" name="직선 화살표 연결선 13">
-              <a:extLst>
-                <a:ext uri="{FF2B5EF4-FFF2-40B4-BE49-F238E27FC236}">
-                  <a16:creationId xmlns:a16="http://schemas.microsoft.com/office/drawing/2014/main" id="{75DDD4FF-2DDB-4489-B453-9C130BD364B5}"/>
-                </a:ext>
-              </a:extLst>
-            </p:cNvPr>
-            <p:cNvCxnSpPr>
-              <a:cxnSpLocks/>
-              <a:stCxn id="12" idx="3"/>
-            </p:cNvCxnSpPr>
-            <p:nvPr/>
-          </p:nvCxnSpPr>
-          <p:spPr>
-            <a:xfrm>
-              <a:off x="3314690" y="3029348"/>
-              <a:ext cx="1495435" cy="0"/>
-            </a:xfrm>
-            <a:prstGeom prst="straightConnector1">
-              <a:avLst/>
-            </a:prstGeom>
-            <a:ln>
-              <a:solidFill>
-                <a:schemeClr val="tx1"/>
-              </a:solidFill>
-              <a:tailEnd type="triangle"/>
-            </a:ln>
-          </p:spPr>
-          <p:style>
-            <a:lnRef idx="1">
-              <a:schemeClr val="accent1"/>
-            </a:lnRef>
-            <a:fillRef idx="0">
-              <a:schemeClr val="accent1"/>
-            </a:fillRef>
-            <a:effectRef idx="0">
-              <a:schemeClr val="accent1"/>
-            </a:effectRef>
-            <a:fontRef idx="minor">
-              <a:schemeClr val="tx1"/>
-            </a:fontRef>
-          </p:style>
-        </p:cxnSp>
-        <p:grpSp>
-          <p:nvGrpSpPr>
-            <p:cNvPr id="24" name="그룹 23">
-              <a:extLst>
-                <a:ext uri="{FF2B5EF4-FFF2-40B4-BE49-F238E27FC236}">
-                  <a16:creationId xmlns:a16="http://schemas.microsoft.com/office/drawing/2014/main" id="{0E658ECE-C113-4A61-9A50-A5AF7ACD4221}"/>
-                </a:ext>
-              </a:extLst>
-            </p:cNvPr>
-            <p:cNvGrpSpPr/>
-            <p:nvPr/>
-          </p:nvGrpSpPr>
-          <p:grpSpPr>
-            <a:xfrm>
-              <a:off x="4623568" y="2392935"/>
-              <a:ext cx="2454201" cy="1791520"/>
-              <a:chOff x="1136724" y="2332805"/>
-              <a:chExt cx="3138046" cy="2192389"/>
-            </a:xfrm>
-          </p:grpSpPr>
-          <p:sp>
-            <p:nvSpPr>
-              <p:cNvPr id="25" name="직사각형 24">
-                <a:extLst>
-                  <a:ext uri="{FF2B5EF4-FFF2-40B4-BE49-F238E27FC236}">
-                    <a16:creationId xmlns:a16="http://schemas.microsoft.com/office/drawing/2014/main" id="{6DEEDC63-FBA6-4506-A4E2-5B14A18423FC}"/>
-                  </a:ext>
-                </a:extLst>
-              </p:cNvPr>
-              <p:cNvSpPr/>
-              <p:nvPr/>
-            </p:nvSpPr>
-            <p:spPr>
-              <a:xfrm>
-                <a:off x="1136724" y="2332805"/>
-                <a:ext cx="3138046" cy="2192389"/>
-              </a:xfrm>
-              <a:prstGeom prst="rect">
-                <a:avLst/>
-              </a:prstGeom>
-              <a:ln w="6350">
-                <a:solidFill>
-                  <a:schemeClr val="accent1">
-                    <a:lumMod val="50000"/>
-                  </a:schemeClr>
-                </a:solidFill>
-                <a:tailEnd type="triangle"/>
-              </a:ln>
-            </p:spPr>
-            <p:style>
-              <a:lnRef idx="1">
-                <a:schemeClr val="accent1"/>
-              </a:lnRef>
-              <a:fillRef idx="0">
-                <a:schemeClr val="accent1"/>
-              </a:fillRef>
-              <a:effectRef idx="0">
-                <a:schemeClr val="accent1"/>
-              </a:effectRef>
-              <a:fontRef idx="minor">
-                <a:schemeClr val="tx1"/>
-              </a:fontRef>
-            </p:style>
-            <p:txBody>
-              <a:bodyPr rot="0" spcFirstLastPara="0" vertOverflow="overflow" horzOverflow="overflow" vert="horz" wrap="square" lIns="91440" tIns="45720" rIns="91440" bIns="45720" numCol="1" spcCol="0" rtlCol="0" fromWordArt="0" anchor="ctr" anchorCtr="0" forceAA="0" compatLnSpc="1">
-                <a:prstTxWarp prst="textNoShape">
-                  <a:avLst/>
-                </a:prstTxWarp>
-                <a:noAutofit/>
-              </a:bodyPr>
-              <a:lstStyle/>
-              <a:p>
-                <a:pPr algn="ctr"/>
-                <a:endParaRPr lang="en-US" altLang="ko-KR" sz="1000" b="1" dirty="0"/>
-              </a:p>
-            </p:txBody>
-          </p:sp>
-          <p:sp>
-            <p:nvSpPr>
-              <p:cNvPr id="26" name="직사각형 25">
-                <a:extLst>
-                  <a:ext uri="{FF2B5EF4-FFF2-40B4-BE49-F238E27FC236}">
-                    <a16:creationId xmlns:a16="http://schemas.microsoft.com/office/drawing/2014/main" id="{23E19FD6-6DB1-4C42-AB05-E3F265A4D03F}"/>
-                  </a:ext>
-                </a:extLst>
-              </p:cNvPr>
-              <p:cNvSpPr/>
-              <p:nvPr/>
-            </p:nvSpPr>
-            <p:spPr>
-              <a:xfrm>
-                <a:off x="2739320" y="2332806"/>
-                <a:ext cx="1532429" cy="420146"/>
-              </a:xfrm>
-              <a:prstGeom prst="rect">
-                <a:avLst/>
-              </a:prstGeom>
-              <a:ln w="76200">
-                <a:noFill/>
-                <a:tailEnd type="triangle"/>
-              </a:ln>
-            </p:spPr>
-            <p:style>
-              <a:lnRef idx="1">
-                <a:schemeClr val="accent1"/>
-              </a:lnRef>
-              <a:fillRef idx="0">
-                <a:schemeClr val="accent1"/>
-              </a:fillRef>
-              <a:effectRef idx="0">
-                <a:schemeClr val="accent1"/>
-              </a:effectRef>
-              <a:fontRef idx="minor">
-                <a:schemeClr val="tx1"/>
-              </a:fontRef>
-            </p:style>
-            <p:txBody>
-              <a:bodyPr rtlCol="0" anchor="ctr"/>
-              <a:lstStyle/>
-              <a:p>
-                <a:pPr algn="ctr"/>
-                <a:r>
-                  <a:rPr lang="en-US" altLang="ko-KR" sz="1000" dirty="0">
-                    <a:solidFill>
-                      <a:schemeClr val="tx1"/>
-                    </a:solidFill>
-                  </a:rPr>
-                  <a:t>Web</a:t>
-                </a:r>
-                <a:r>
-                  <a:rPr lang="ko-KR" altLang="en-US" sz="1000" dirty="0">
-                    <a:solidFill>
-                      <a:schemeClr val="tx1"/>
-                    </a:solidFill>
-                  </a:rPr>
-                  <a:t> </a:t>
-                </a:r>
-                <a:r>
-                  <a:rPr lang="en-US" altLang="ko-KR" sz="1000" dirty="0">
-                    <a:solidFill>
-                      <a:schemeClr val="tx1"/>
-                    </a:solidFill>
-                  </a:rPr>
-                  <a:t>Framework</a:t>
-                </a:r>
-              </a:p>
-              <a:p>
-                <a:pPr algn="ctr"/>
-                <a:r>
-                  <a:rPr lang="en-US" altLang="ko-KR" sz="1000" dirty="0">
-                    <a:solidFill>
-                      <a:schemeClr val="tx1"/>
-                    </a:solidFill>
-                  </a:rPr>
-                  <a:t>(Django)</a:t>
-                </a:r>
-                <a:endParaRPr lang="ko-KR" altLang="en-US" sz="1000" dirty="0">
-                  <a:solidFill>
-                    <a:schemeClr val="tx1"/>
-                  </a:solidFill>
-                </a:endParaRPr>
-              </a:p>
-            </p:txBody>
-          </p:sp>
-        </p:grpSp>
-        <p:sp>
-          <p:nvSpPr>
-            <p:cNvPr id="29" name="원통형 28">
-              <a:extLst>
-                <a:ext uri="{FF2B5EF4-FFF2-40B4-BE49-F238E27FC236}">
-                  <a16:creationId xmlns:a16="http://schemas.microsoft.com/office/drawing/2014/main" id="{771CACC3-3DF1-4B45-9147-B93C69600050}"/>
-                </a:ext>
-              </a:extLst>
-            </p:cNvPr>
-            <p:cNvSpPr/>
-            <p:nvPr/>
-          </p:nvSpPr>
-          <p:spPr>
-            <a:xfrm>
-              <a:off x="4810125" y="2932952"/>
-              <a:ext cx="978712" cy="1159454"/>
-            </a:xfrm>
-            <a:prstGeom prst="can">
               <a:avLst/>
             </a:prstGeom>
             <a:ln w="6350">
@@ -5287,20 +5498,20 @@
             <a:lstStyle/>
             <a:p>
               <a:pPr algn="ctr"/>
-              <a:endParaRPr lang="ko-KR" altLang="en-US" sz="1000">
-                <a:solidFill>
-                  <a:schemeClr val="tx1"/>
-                </a:solidFill>
-              </a:endParaRPr>
+              <a:r>
+                <a:rPr lang="ko-KR" altLang="en-US" sz="1400" dirty="0"/>
+                <a:t>기업별 분석 탭</a:t>
+              </a:r>
+              <a:endParaRPr lang="en-US" altLang="ko-KR" sz="1400" dirty="0"/>
             </a:p>
           </p:txBody>
         </p:sp>
         <p:sp>
           <p:nvSpPr>
-            <p:cNvPr id="30" name="직사각형 29">
+            <p:cNvPr id="41" name="직사각형 40">
               <a:extLst>
                 <a:ext uri="{FF2B5EF4-FFF2-40B4-BE49-F238E27FC236}">
-                  <a16:creationId xmlns:a16="http://schemas.microsoft.com/office/drawing/2014/main" id="{EEDA18A8-FB24-4C84-B0F5-89993DE727CB}"/>
+                  <a16:creationId xmlns:a16="http://schemas.microsoft.com/office/drawing/2014/main" id="{C1DDAF4E-8054-4BA2-8D14-BB9E58ED9F74}"/>
                 </a:ext>
               </a:extLst>
             </p:cNvPr>
@@ -5309,14 +5520,18 @@
           </p:nvSpPr>
           <p:spPr>
             <a:xfrm>
-              <a:off x="4806671" y="2678805"/>
-              <a:ext cx="978712" cy="240401"/>
+              <a:off x="5986415" y="3576383"/>
+              <a:ext cx="978712" cy="253514"/>
             </a:xfrm>
             <a:prstGeom prst="rect">
               <a:avLst/>
             </a:prstGeom>
-            <a:ln w="76200">
-              <a:noFill/>
+            <a:ln w="6350">
+              <a:solidFill>
+                <a:schemeClr val="accent1">
+                  <a:lumMod val="50000"/>
+                </a:schemeClr>
+              </a:solidFill>
               <a:tailEnd type="triangle"/>
             </a:ln>
           </p:spPr>
@@ -5335,28 +5550,495 @@
             </a:fontRef>
           </p:style>
           <p:txBody>
-            <a:bodyPr rtlCol="0" anchor="ctr"/>
+            <a:bodyPr rot="0" spcFirstLastPara="0" vertOverflow="overflow" horzOverflow="overflow" vert="horz" wrap="square" lIns="91440" tIns="45720" rIns="91440" bIns="45720" numCol="1" spcCol="0" rtlCol="0" fromWordArt="0" anchor="ctr" anchorCtr="0" forceAA="0" compatLnSpc="1">
+              <a:prstTxWarp prst="textNoShape">
+                <a:avLst/>
+              </a:prstTxWarp>
+              <a:noAutofit/>
+            </a:bodyPr>
             <a:lstStyle/>
             <a:p>
               <a:pPr algn="ctr"/>
               <a:r>
-                <a:rPr lang="en-US" altLang="ko-KR" sz="1000" dirty="0"/>
-                <a:t>DB</a:t>
+                <a:rPr lang="ko-KR" altLang="en-US" sz="1400" dirty="0"/>
+                <a:t>지역별 분석 탭</a:t>
               </a:r>
-              <a:endParaRPr lang="ko-KR" altLang="en-US" sz="1000" dirty="0">
+              <a:endParaRPr lang="en-US" altLang="ko-KR" sz="1400" dirty="0"/>
+            </a:p>
+          </p:txBody>
+        </p:sp>
+      </p:grpSp>
+      <p:cxnSp>
+        <p:nvCxnSpPr>
+          <p:cNvPr id="45" name="직선 화살표 연결선 13">
+            <a:extLst>
+              <a:ext uri="{FF2B5EF4-FFF2-40B4-BE49-F238E27FC236}">
+                <a16:creationId xmlns:a16="http://schemas.microsoft.com/office/drawing/2014/main" id="{7F30B411-9413-4DFD-945F-83F9B3B1D817}"/>
+              </a:ext>
+            </a:extLst>
+          </p:cNvPr>
+          <p:cNvCxnSpPr>
+            <a:cxnSpLocks/>
+          </p:cNvCxnSpPr>
+          <p:nvPr/>
+        </p:nvCxnSpPr>
+        <p:spPr>
+          <a:xfrm>
+            <a:off x="8738449" y="3750953"/>
+            <a:ext cx="2350729" cy="714666"/>
+          </a:xfrm>
+          <a:prstGeom prst="bentConnector3">
+            <a:avLst>
+              <a:gd name="adj1" fmla="val 99861"/>
+            </a:avLst>
+          </a:prstGeom>
+          <a:ln>
+            <a:solidFill>
+              <a:schemeClr val="tx1"/>
+            </a:solidFill>
+            <a:tailEnd type="triangle"/>
+          </a:ln>
+        </p:spPr>
+        <p:style>
+          <a:lnRef idx="1">
+            <a:schemeClr val="accent1"/>
+          </a:lnRef>
+          <a:fillRef idx="0">
+            <a:schemeClr val="accent1"/>
+          </a:fillRef>
+          <a:effectRef idx="0">
+            <a:schemeClr val="accent1"/>
+          </a:effectRef>
+          <a:fontRef idx="minor">
+            <a:schemeClr val="tx1"/>
+          </a:fontRef>
+        </p:style>
+      </p:cxnSp>
+      <p:sp>
+        <p:nvSpPr>
+          <p:cNvPr id="48" name="직사각형 47">
+            <a:extLst>
+              <a:ext uri="{FF2B5EF4-FFF2-40B4-BE49-F238E27FC236}">
+                <a16:creationId xmlns:a16="http://schemas.microsoft.com/office/drawing/2014/main" id="{E0E2F347-21AC-438A-8B10-0CEE1ABFBE24}"/>
+              </a:ext>
+            </a:extLst>
+          </p:cNvPr>
+          <p:cNvSpPr/>
+          <p:nvPr/>
+        </p:nvSpPr>
+        <p:spPr>
+          <a:xfrm>
+            <a:off x="9270862" y="3896583"/>
+            <a:ext cx="1956884" cy="402660"/>
+          </a:xfrm>
+          <a:prstGeom prst="rect">
+            <a:avLst/>
+          </a:prstGeom>
+          <a:ln w="76200">
+            <a:noFill/>
+            <a:tailEnd type="triangle"/>
+          </a:ln>
+        </p:spPr>
+        <p:style>
+          <a:lnRef idx="1">
+            <a:schemeClr val="accent1"/>
+          </a:lnRef>
+          <a:fillRef idx="0">
+            <a:schemeClr val="accent1"/>
+          </a:fillRef>
+          <a:effectRef idx="0">
+            <a:schemeClr val="accent1"/>
+          </a:effectRef>
+          <a:fontRef idx="minor">
+            <a:schemeClr val="tx1"/>
+          </a:fontRef>
+        </p:style>
+        <p:txBody>
+          <a:bodyPr rtlCol="0" anchor="ctr"/>
+          <a:lstStyle/>
+          <a:p>
+            <a:pPr algn="ctr"/>
+            <a:r>
+              <a:rPr lang="ko-KR" altLang="en-US" sz="1400" dirty="0">
                 <a:solidFill>
                   <a:schemeClr val="tx1"/>
                 </a:solidFill>
-              </a:endParaRPr>
-            </a:p>
-          </p:txBody>
-        </p:sp>
+              </a:rPr>
+              <a:t>데이터 시각화</a:t>
+            </a:r>
+            <a:r>
+              <a:rPr lang="en-US" altLang="ko-KR" sz="1400" dirty="0"/>
+              <a:t> </a:t>
+            </a:r>
+          </a:p>
+          <a:p>
+            <a:pPr algn="ctr"/>
+            <a:r>
+              <a:rPr lang="ko-KR" altLang="en-US" sz="1400" dirty="0"/>
+              <a:t>및 결과 출력</a:t>
+            </a:r>
+            <a:endParaRPr lang="ko-KR" altLang="en-US" sz="1400" dirty="0">
+              <a:solidFill>
+                <a:schemeClr val="tx1"/>
+              </a:solidFill>
+            </a:endParaRPr>
+          </a:p>
+        </p:txBody>
+      </p:sp>
+      <p:sp>
+        <p:nvSpPr>
+          <p:cNvPr id="49" name="직사각형 48">
+            <a:extLst>
+              <a:ext uri="{FF2B5EF4-FFF2-40B4-BE49-F238E27FC236}">
+                <a16:creationId xmlns:a16="http://schemas.microsoft.com/office/drawing/2014/main" id="{A86F4663-F708-49BC-807D-02CE614CB7A5}"/>
+              </a:ext>
+            </a:extLst>
+          </p:cNvPr>
+          <p:cNvSpPr/>
+          <p:nvPr/>
+        </p:nvSpPr>
+        <p:spPr>
+          <a:xfrm>
+            <a:off x="3271090" y="2748583"/>
+            <a:ext cx="261817" cy="232081"/>
+          </a:xfrm>
+          <a:prstGeom prst="rect">
+            <a:avLst/>
+          </a:prstGeom>
+        </p:spPr>
+        <p:style>
+          <a:lnRef idx="2">
+            <a:schemeClr val="accent1">
+              <a:shade val="50000"/>
+            </a:schemeClr>
+          </a:lnRef>
+          <a:fillRef idx="1">
+            <a:schemeClr val="accent1"/>
+          </a:fillRef>
+          <a:effectRef idx="0">
+            <a:schemeClr val="accent1"/>
+          </a:effectRef>
+          <a:fontRef idx="minor">
+            <a:schemeClr val="lt1"/>
+          </a:fontRef>
+        </p:style>
+        <p:txBody>
+          <a:bodyPr rtlCol="0" anchor="ctr"/>
+          <a:lstStyle/>
+          <a:p>
+            <a:pPr algn="ctr"/>
+            <a:r>
+              <a:rPr lang="en-US" altLang="ko-KR" sz="1100" b="1" dirty="0"/>
+              <a:t>1</a:t>
+            </a:r>
+            <a:endParaRPr lang="ko-KR" altLang="en-US" sz="2000" b="1" dirty="0"/>
+          </a:p>
+        </p:txBody>
+      </p:sp>
+      <p:sp>
+        <p:nvSpPr>
+          <p:cNvPr id="56" name="직사각형 55">
+            <a:extLst>
+              <a:ext uri="{FF2B5EF4-FFF2-40B4-BE49-F238E27FC236}">
+                <a16:creationId xmlns:a16="http://schemas.microsoft.com/office/drawing/2014/main" id="{8E72D36C-B171-4B83-9AD6-F9EF70381F07}"/>
+              </a:ext>
+            </a:extLst>
+          </p:cNvPr>
+          <p:cNvSpPr/>
+          <p:nvPr/>
+        </p:nvSpPr>
+        <p:spPr>
+          <a:xfrm>
+            <a:off x="7110058" y="4501072"/>
+            <a:ext cx="261817" cy="232081"/>
+          </a:xfrm>
+          <a:prstGeom prst="rect">
+            <a:avLst/>
+          </a:prstGeom>
+        </p:spPr>
+        <p:style>
+          <a:lnRef idx="2">
+            <a:schemeClr val="accent1">
+              <a:shade val="50000"/>
+            </a:schemeClr>
+          </a:lnRef>
+          <a:fillRef idx="1">
+            <a:schemeClr val="accent1"/>
+          </a:fillRef>
+          <a:effectRef idx="0">
+            <a:schemeClr val="accent1"/>
+          </a:effectRef>
+          <a:fontRef idx="minor">
+            <a:schemeClr val="lt1"/>
+          </a:fontRef>
+        </p:style>
+        <p:txBody>
+          <a:bodyPr rtlCol="0" anchor="ctr"/>
+          <a:lstStyle/>
+          <a:p>
+            <a:pPr algn="ctr"/>
+            <a:r>
+              <a:rPr lang="en-US" altLang="ko-KR" sz="1100" b="1" dirty="0"/>
+              <a:t>5</a:t>
+            </a:r>
+            <a:endParaRPr lang="ko-KR" altLang="en-US" sz="2000" b="1" dirty="0"/>
+          </a:p>
+        </p:txBody>
+      </p:sp>
+      <p:sp>
+        <p:nvSpPr>
+          <p:cNvPr id="60" name="직사각형 59">
+            <a:extLst>
+              <a:ext uri="{FF2B5EF4-FFF2-40B4-BE49-F238E27FC236}">
+                <a16:creationId xmlns:a16="http://schemas.microsoft.com/office/drawing/2014/main" id="{EA5F879E-DA46-45BA-94FB-24C1D472FFE7}"/>
+              </a:ext>
+            </a:extLst>
+          </p:cNvPr>
+          <p:cNvSpPr/>
+          <p:nvPr/>
+        </p:nvSpPr>
+        <p:spPr>
+          <a:xfrm>
+            <a:off x="9224740" y="3955041"/>
+            <a:ext cx="261817" cy="232081"/>
+          </a:xfrm>
+          <a:prstGeom prst="rect">
+            <a:avLst/>
+          </a:prstGeom>
+        </p:spPr>
+        <p:style>
+          <a:lnRef idx="2">
+            <a:schemeClr val="accent1">
+              <a:shade val="50000"/>
+            </a:schemeClr>
+          </a:lnRef>
+          <a:fillRef idx="1">
+            <a:schemeClr val="accent1"/>
+          </a:fillRef>
+          <a:effectRef idx="0">
+            <a:schemeClr val="accent1"/>
+          </a:effectRef>
+          <a:fontRef idx="minor">
+            <a:schemeClr val="lt1"/>
+          </a:fontRef>
+        </p:style>
+        <p:txBody>
+          <a:bodyPr rtlCol="0" anchor="ctr"/>
+          <a:lstStyle/>
+          <a:p>
+            <a:pPr algn="ctr"/>
+            <a:r>
+              <a:rPr lang="en-US" altLang="ko-KR" sz="1100" b="1" dirty="0"/>
+              <a:t>6</a:t>
+            </a:r>
+            <a:endParaRPr lang="ko-KR" altLang="en-US" sz="2000" b="1" dirty="0"/>
+          </a:p>
+        </p:txBody>
+      </p:sp>
+      <p:sp>
+        <p:nvSpPr>
+          <p:cNvPr id="61" name="직사각형 60">
+            <a:extLst>
+              <a:ext uri="{FF2B5EF4-FFF2-40B4-BE49-F238E27FC236}">
+                <a16:creationId xmlns:a16="http://schemas.microsoft.com/office/drawing/2014/main" id="{031F7814-E3BD-470A-938F-9270EF4F770C}"/>
+              </a:ext>
+            </a:extLst>
+          </p:cNvPr>
+          <p:cNvSpPr/>
+          <p:nvPr/>
+        </p:nvSpPr>
+        <p:spPr>
+          <a:xfrm>
+            <a:off x="3889539" y="1446748"/>
+            <a:ext cx="261817" cy="232081"/>
+          </a:xfrm>
+          <a:prstGeom prst="rect">
+            <a:avLst/>
+          </a:prstGeom>
+        </p:spPr>
+        <p:style>
+          <a:lnRef idx="2">
+            <a:schemeClr val="accent1">
+              <a:shade val="50000"/>
+            </a:schemeClr>
+          </a:lnRef>
+          <a:fillRef idx="1">
+            <a:schemeClr val="accent1"/>
+          </a:fillRef>
+          <a:effectRef idx="0">
+            <a:schemeClr val="accent1"/>
+          </a:effectRef>
+          <a:fontRef idx="minor">
+            <a:schemeClr val="lt1"/>
+          </a:fontRef>
+        </p:style>
+        <p:txBody>
+          <a:bodyPr rtlCol="0" anchor="ctr"/>
+          <a:lstStyle/>
+          <a:p>
+            <a:pPr algn="ctr"/>
+            <a:r>
+              <a:rPr lang="en-US" altLang="ko-KR" sz="1100" b="1" dirty="0"/>
+              <a:t>0</a:t>
+            </a:r>
+            <a:endParaRPr lang="ko-KR" altLang="en-US" sz="2000" b="1" dirty="0"/>
+          </a:p>
+        </p:txBody>
+      </p:sp>
+      <p:sp>
+        <p:nvSpPr>
+          <p:cNvPr id="98" name="직사각형 97">
+            <a:extLst>
+              <a:ext uri="{FF2B5EF4-FFF2-40B4-BE49-F238E27FC236}">
+                <a16:creationId xmlns:a16="http://schemas.microsoft.com/office/drawing/2014/main" id="{549A2513-7B89-4C5A-98AD-13EEF668E24F}"/>
+              </a:ext>
+            </a:extLst>
+          </p:cNvPr>
+          <p:cNvSpPr/>
+          <p:nvPr/>
+        </p:nvSpPr>
+        <p:spPr>
+          <a:xfrm>
+            <a:off x="1978017" y="4304855"/>
+            <a:ext cx="2314308" cy="553902"/>
+          </a:xfrm>
+          <a:prstGeom prst="rect">
+            <a:avLst/>
+          </a:prstGeom>
+          <a:ln w="6350">
+            <a:solidFill>
+              <a:schemeClr val="accent1">
+                <a:lumMod val="50000"/>
+              </a:schemeClr>
+            </a:solidFill>
+            <a:tailEnd type="triangle"/>
+          </a:ln>
+        </p:spPr>
+        <p:style>
+          <a:lnRef idx="1">
+            <a:schemeClr val="accent1"/>
+          </a:lnRef>
+          <a:fillRef idx="0">
+            <a:schemeClr val="accent1"/>
+          </a:fillRef>
+          <a:effectRef idx="0">
+            <a:schemeClr val="accent1"/>
+          </a:effectRef>
+          <a:fontRef idx="minor">
+            <a:schemeClr val="tx1"/>
+          </a:fontRef>
+        </p:style>
+        <p:txBody>
+          <a:bodyPr rot="0" spcFirstLastPara="0" vertOverflow="overflow" horzOverflow="overflow" vert="horz" wrap="square" lIns="91440" tIns="45720" rIns="91440" bIns="45720" numCol="1" spcCol="0" rtlCol="0" fromWordArt="0" anchor="ctr" anchorCtr="0" forceAA="0" compatLnSpc="1">
+            <a:prstTxWarp prst="textNoShape">
+              <a:avLst/>
+            </a:prstTxWarp>
+            <a:noAutofit/>
+          </a:bodyPr>
+          <a:lstStyle/>
+          <a:p>
+            <a:pPr algn="ctr"/>
+            <a:r>
+              <a:rPr lang="ko-KR" altLang="en-US" sz="1400" dirty="0"/>
+              <a:t>  데이터 가공</a:t>
+            </a:r>
+            <a:r>
+              <a:rPr lang="en-US" altLang="ko-KR" sz="1400" dirty="0"/>
+              <a:t>_2.ipynb</a:t>
+            </a:r>
+          </a:p>
+        </p:txBody>
+      </p:sp>
+      <p:sp>
+        <p:nvSpPr>
+          <p:cNvPr id="99" name="직사각형 98">
+            <a:extLst>
+              <a:ext uri="{FF2B5EF4-FFF2-40B4-BE49-F238E27FC236}">
+                <a16:creationId xmlns:a16="http://schemas.microsoft.com/office/drawing/2014/main" id="{2B3975D4-B659-435E-AF85-63CB2E58CCCF}"/>
+              </a:ext>
+            </a:extLst>
+          </p:cNvPr>
+          <p:cNvSpPr/>
+          <p:nvPr/>
+        </p:nvSpPr>
+        <p:spPr>
+          <a:xfrm>
+            <a:off x="1978017" y="4857835"/>
+            <a:ext cx="2314308" cy="553902"/>
+          </a:xfrm>
+          <a:prstGeom prst="rect">
+            <a:avLst/>
+          </a:prstGeom>
+          <a:ln w="6350">
+            <a:solidFill>
+              <a:schemeClr val="accent1">
+                <a:lumMod val="50000"/>
+              </a:schemeClr>
+            </a:solidFill>
+            <a:tailEnd type="triangle"/>
+          </a:ln>
+        </p:spPr>
+        <p:style>
+          <a:lnRef idx="1">
+            <a:schemeClr val="accent1"/>
+          </a:lnRef>
+          <a:fillRef idx="0">
+            <a:schemeClr val="accent1"/>
+          </a:fillRef>
+          <a:effectRef idx="0">
+            <a:schemeClr val="accent1"/>
+          </a:effectRef>
+          <a:fontRef idx="minor">
+            <a:schemeClr val="tx1"/>
+          </a:fontRef>
+        </p:style>
+        <p:txBody>
+          <a:bodyPr rot="0" spcFirstLastPara="0" vertOverflow="overflow" horzOverflow="overflow" vert="horz" wrap="square" lIns="91440" tIns="45720" rIns="91440" bIns="45720" numCol="1" spcCol="0" rtlCol="0" fromWordArt="0" anchor="ctr" anchorCtr="0" forceAA="0" compatLnSpc="1">
+            <a:prstTxWarp prst="textNoShape">
+              <a:avLst/>
+            </a:prstTxWarp>
+            <a:noAutofit/>
+          </a:bodyPr>
+          <a:lstStyle/>
+          <a:p>
+            <a:pPr algn="ctr"/>
+            <a:r>
+              <a:rPr lang="ko-KR" altLang="en-US" sz="1400" dirty="0"/>
+              <a:t>  데이터 가공</a:t>
+            </a:r>
+            <a:r>
+              <a:rPr lang="en-US" altLang="ko-KR" sz="1400" dirty="0"/>
+              <a:t>_3.ipynb</a:t>
+            </a:r>
+          </a:p>
+        </p:txBody>
+      </p:sp>
+      <p:grpSp>
+        <p:nvGrpSpPr>
+          <p:cNvPr id="23" name="그룹 22">
+            <a:extLst>
+              <a:ext uri="{FF2B5EF4-FFF2-40B4-BE49-F238E27FC236}">
+                <a16:creationId xmlns:a16="http://schemas.microsoft.com/office/drawing/2014/main" id="{EC2D1EAF-EC65-4554-B076-190FC4636878}"/>
+              </a:ext>
+            </a:extLst>
+          </p:cNvPr>
+          <p:cNvGrpSpPr/>
+          <p:nvPr/>
+        </p:nvGrpSpPr>
+        <p:grpSpPr>
+          <a:xfrm>
+            <a:off x="5003004" y="4055051"/>
+            <a:ext cx="1168055" cy="1547528"/>
+            <a:chOff x="4792628" y="4055051"/>
+            <a:chExt cx="1168055" cy="1547528"/>
+          </a:xfrm>
+        </p:grpSpPr>
         <p:sp>
           <p:nvSpPr>
-            <p:cNvPr id="31" name="직사각형 30">
+            <p:cNvPr id="104" name="직사각형 103">
               <a:extLst>
                 <a:ext uri="{FF2B5EF4-FFF2-40B4-BE49-F238E27FC236}">
-                  <a16:creationId xmlns:a16="http://schemas.microsoft.com/office/drawing/2014/main" id="{9A592403-A9DB-4765-BC88-B208E939694D}"/>
+                  <a16:creationId xmlns:a16="http://schemas.microsoft.com/office/drawing/2014/main" id="{E80E9FAA-0578-4A58-B560-7B4AFA8A58C4}"/>
                 </a:ext>
               </a:extLst>
             </p:cNvPr>
@@ -5365,14 +6047,18 @@
           </p:nvSpPr>
           <p:spPr>
             <a:xfrm>
-              <a:off x="3771473" y="2728562"/>
-              <a:ext cx="867814" cy="240401"/>
+              <a:off x="4983078" y="4055051"/>
+              <a:ext cx="977605" cy="1320676"/>
             </a:xfrm>
             <a:prstGeom prst="rect">
               <a:avLst/>
             </a:prstGeom>
-            <a:ln w="76200">
-              <a:noFill/>
+            <a:ln w="6350">
+              <a:solidFill>
+                <a:schemeClr val="accent1">
+                  <a:lumMod val="50000"/>
+                </a:schemeClr>
+              </a:solidFill>
               <a:tailEnd type="triangle"/>
             </a:ln>
           </p:spPr>
@@ -5391,27 +6077,25 @@
             </a:fontRef>
           </p:style>
           <p:txBody>
-            <a:bodyPr rtlCol="0" anchor="ctr"/>
+            <a:bodyPr rot="0" spcFirstLastPara="0" vertOverflow="overflow" horzOverflow="overflow" vert="horz" wrap="square" lIns="91440" tIns="45720" rIns="91440" bIns="45720" numCol="1" spcCol="0" rtlCol="0" fromWordArt="0" anchor="ctr" anchorCtr="0" forceAA="0" compatLnSpc="1">
+              <a:prstTxWarp prst="textNoShape">
+                <a:avLst/>
+              </a:prstTxWarp>
+              <a:noAutofit/>
+            </a:bodyPr>
             <a:lstStyle/>
             <a:p>
               <a:pPr algn="ctr"/>
-              <a:r>
-                <a:rPr lang="ko-KR" altLang="en-US" sz="900" dirty="0">
-                  <a:solidFill>
-                    <a:schemeClr val="tx1"/>
-                  </a:solidFill>
-                </a:rPr>
-                <a:t>데이터 저장</a:t>
-              </a:r>
+              <a:endParaRPr lang="en-US" altLang="ko-KR" sz="1400" b="1" dirty="0"/>
             </a:p>
           </p:txBody>
         </p:sp>
         <p:sp>
           <p:nvSpPr>
-            <p:cNvPr id="32" name="직사각형 31">
+            <p:cNvPr id="103" name="직사각형 102">
               <a:extLst>
                 <a:ext uri="{FF2B5EF4-FFF2-40B4-BE49-F238E27FC236}">
-                  <a16:creationId xmlns:a16="http://schemas.microsoft.com/office/drawing/2014/main" id="{7135F3C7-C1E4-49C3-BD6E-4BA47EC5C2FD}"/>
+                  <a16:creationId xmlns:a16="http://schemas.microsoft.com/office/drawing/2014/main" id="{055699BA-7D5D-4948-8323-F6FE81D695A7}"/>
                 </a:ext>
               </a:extLst>
             </p:cNvPr>
@@ -5420,14 +6104,21 @@
           </p:nvSpPr>
           <p:spPr>
             <a:xfrm>
-              <a:off x="4770486" y="3434297"/>
-              <a:ext cx="1168723" cy="363882"/>
+              <a:off x="4891602" y="4176790"/>
+              <a:ext cx="977605" cy="1320676"/>
             </a:xfrm>
             <a:prstGeom prst="rect">
               <a:avLst/>
             </a:prstGeom>
-            <a:ln w="76200">
-              <a:noFill/>
+            <a:solidFill>
+              <a:schemeClr val="bg1"/>
+            </a:solidFill>
+            <a:ln w="6350">
+              <a:solidFill>
+                <a:schemeClr val="accent1">
+                  <a:lumMod val="50000"/>
+                </a:schemeClr>
+              </a:solidFill>
               <a:tailEnd type="triangle"/>
             </a:ln>
           </p:spPr>
@@ -5446,266 +6137,47 @@
             </a:fontRef>
           </p:style>
           <p:txBody>
-            <a:bodyPr rtlCol="0" anchor="ctr"/>
+            <a:bodyPr rot="0" spcFirstLastPara="0" vertOverflow="overflow" horzOverflow="overflow" vert="horz" wrap="square" lIns="91440" tIns="45720" rIns="91440" bIns="45720" numCol="1" spcCol="0" rtlCol="0" fromWordArt="0" anchor="ctr" anchorCtr="0" forceAA="0" compatLnSpc="1">
+              <a:prstTxWarp prst="textNoShape">
+                <a:avLst/>
+              </a:prstTxWarp>
+              <a:noAutofit/>
+            </a:bodyPr>
             <a:lstStyle/>
             <a:p>
-              <a:r>
-                <a:rPr lang="ko-KR" altLang="en-US" sz="800" dirty="0"/>
-                <a:t>정제된 기업 데이터</a:t>
-              </a:r>
-              <a:endParaRPr lang="en-US" altLang="ko-KR" sz="800" dirty="0"/>
-            </a:p>
-            <a:p>
-              <a:r>
-                <a:rPr lang="en-US" altLang="ko-KR" sz="800" dirty="0"/>
-                <a:t>(</a:t>
-              </a:r>
-              <a:r>
-                <a:rPr lang="ko-KR" altLang="en-US" sz="800" dirty="0"/>
-                <a:t>광주</a:t>
-              </a:r>
-              <a:r>
-                <a:rPr lang="en-US" altLang="ko-KR" sz="800" dirty="0"/>
-                <a:t>/</a:t>
-              </a:r>
-              <a:r>
-                <a:rPr lang="ko-KR" altLang="en-US" sz="800" dirty="0"/>
-                <a:t>전남 소재</a:t>
-              </a:r>
-              <a:r>
-                <a:rPr lang="en-US" altLang="ko-KR" sz="800" dirty="0"/>
-                <a:t>)</a:t>
-              </a:r>
+              <a:pPr algn="ctr"/>
+              <a:endParaRPr lang="en-US" altLang="ko-KR" sz="1400" b="1" dirty="0"/>
             </a:p>
           </p:txBody>
         </p:sp>
-        <p:grpSp>
-          <p:nvGrpSpPr>
-            <p:cNvPr id="44" name="그룹 43">
+        <p:sp>
+          <p:nvSpPr>
+            <p:cNvPr id="101" name="직사각형 100">
               <a:extLst>
                 <a:ext uri="{FF2B5EF4-FFF2-40B4-BE49-F238E27FC236}">
-                  <a16:creationId xmlns:a16="http://schemas.microsoft.com/office/drawing/2014/main" id="{DC01C4A1-BC49-40B9-8264-E8E2C0EBDADB}"/>
+                  <a16:creationId xmlns:a16="http://schemas.microsoft.com/office/drawing/2014/main" id="{E85DCB5A-AFEE-439B-B31A-2C6224BF5AD4}"/>
                 </a:ext>
               </a:extLst>
             </p:cNvPr>
-            <p:cNvGrpSpPr/>
+            <p:cNvSpPr/>
             <p:nvPr/>
-          </p:nvGrpSpPr>
-          <p:grpSpPr>
-            <a:xfrm>
-              <a:off x="5876925" y="3288695"/>
-              <a:ext cx="1139825" cy="762525"/>
-              <a:chOff x="5986415" y="3067372"/>
-              <a:chExt cx="978712" cy="762525"/>
-            </a:xfrm>
-          </p:grpSpPr>
-          <p:sp>
-            <p:nvSpPr>
-              <p:cNvPr id="34" name="직사각형 33">
-                <a:extLst>
-                  <a:ext uri="{FF2B5EF4-FFF2-40B4-BE49-F238E27FC236}">
-                    <a16:creationId xmlns:a16="http://schemas.microsoft.com/office/drawing/2014/main" id="{ADA1D2F2-8BC0-4272-BCB9-1FE98B950DB5}"/>
-                  </a:ext>
-                </a:extLst>
-              </p:cNvPr>
-              <p:cNvSpPr/>
-              <p:nvPr/>
-            </p:nvSpPr>
-            <p:spPr>
-              <a:xfrm>
-                <a:off x="5986415" y="3067372"/>
-                <a:ext cx="978712" cy="253514"/>
-              </a:xfrm>
-              <a:prstGeom prst="rect">
-                <a:avLst/>
-              </a:prstGeom>
-              <a:ln w="6350">
-                <a:solidFill>
-                  <a:schemeClr val="accent1">
-                    <a:lumMod val="50000"/>
-                  </a:schemeClr>
-                </a:solidFill>
-                <a:tailEnd type="triangle"/>
-              </a:ln>
-            </p:spPr>
-            <p:style>
-              <a:lnRef idx="1">
-                <a:schemeClr val="accent1"/>
-              </a:lnRef>
-              <a:fillRef idx="0">
-                <a:schemeClr val="accent1"/>
-              </a:fillRef>
-              <a:effectRef idx="0">
-                <a:schemeClr val="accent1"/>
-              </a:effectRef>
-              <a:fontRef idx="minor">
-                <a:schemeClr val="tx1"/>
-              </a:fontRef>
-            </p:style>
-            <p:txBody>
-              <a:bodyPr rot="0" spcFirstLastPara="0" vertOverflow="overflow" horzOverflow="overflow" vert="horz" wrap="square" lIns="91440" tIns="45720" rIns="91440" bIns="45720" numCol="1" spcCol="0" rtlCol="0" fromWordArt="0" anchor="ctr" anchorCtr="0" forceAA="0" compatLnSpc="1">
-                <a:prstTxWarp prst="textNoShape">
-                  <a:avLst/>
-                </a:prstTxWarp>
-                <a:noAutofit/>
-              </a:bodyPr>
-              <a:lstStyle/>
-              <a:p>
-                <a:pPr algn="ctr"/>
-                <a:r>
-                  <a:rPr lang="en-US" altLang="ko-KR" sz="900" dirty="0"/>
-                  <a:t>Default</a:t>
-                </a:r>
-              </a:p>
-            </p:txBody>
-          </p:sp>
-          <p:sp>
-            <p:nvSpPr>
-              <p:cNvPr id="40" name="직사각형 39">
-                <a:extLst>
-                  <a:ext uri="{FF2B5EF4-FFF2-40B4-BE49-F238E27FC236}">
-                    <a16:creationId xmlns:a16="http://schemas.microsoft.com/office/drawing/2014/main" id="{18106D92-64C9-4D67-B9C8-7AC5E10E7B3E}"/>
-                  </a:ext>
-                </a:extLst>
-              </p:cNvPr>
-              <p:cNvSpPr/>
-              <p:nvPr/>
-            </p:nvSpPr>
-            <p:spPr>
-              <a:xfrm>
-                <a:off x="5986415" y="3322869"/>
-                <a:ext cx="978712" cy="253514"/>
-              </a:xfrm>
-              <a:prstGeom prst="rect">
-                <a:avLst/>
-              </a:prstGeom>
-              <a:ln w="6350">
-                <a:solidFill>
-                  <a:schemeClr val="accent1">
-                    <a:lumMod val="50000"/>
-                  </a:schemeClr>
-                </a:solidFill>
-                <a:tailEnd type="triangle"/>
-              </a:ln>
-            </p:spPr>
-            <p:style>
-              <a:lnRef idx="1">
-                <a:schemeClr val="accent1"/>
-              </a:lnRef>
-              <a:fillRef idx="0">
-                <a:schemeClr val="accent1"/>
-              </a:fillRef>
-              <a:effectRef idx="0">
-                <a:schemeClr val="accent1"/>
-              </a:effectRef>
-              <a:fontRef idx="minor">
-                <a:schemeClr val="tx1"/>
-              </a:fontRef>
-            </p:style>
-            <p:txBody>
-              <a:bodyPr rot="0" spcFirstLastPara="0" vertOverflow="overflow" horzOverflow="overflow" vert="horz" wrap="square" lIns="91440" tIns="45720" rIns="91440" bIns="45720" numCol="1" spcCol="0" rtlCol="0" fromWordArt="0" anchor="ctr" anchorCtr="0" forceAA="0" compatLnSpc="1">
-                <a:prstTxWarp prst="textNoShape">
-                  <a:avLst/>
-                </a:prstTxWarp>
-                <a:noAutofit/>
-              </a:bodyPr>
-              <a:lstStyle/>
-              <a:p>
-                <a:pPr algn="ctr"/>
-                <a:r>
-                  <a:rPr lang="en-US" altLang="ko-KR" sz="900" dirty="0"/>
-                  <a:t>     Corporates</a:t>
-                </a:r>
-              </a:p>
-            </p:txBody>
-          </p:sp>
-          <p:sp>
-            <p:nvSpPr>
-              <p:cNvPr id="41" name="직사각형 40">
-                <a:extLst>
-                  <a:ext uri="{FF2B5EF4-FFF2-40B4-BE49-F238E27FC236}">
-                    <a16:creationId xmlns:a16="http://schemas.microsoft.com/office/drawing/2014/main" id="{C1DDAF4E-8054-4BA2-8D14-BB9E58ED9F74}"/>
-                  </a:ext>
-                </a:extLst>
-              </p:cNvPr>
-              <p:cNvSpPr/>
-              <p:nvPr/>
-            </p:nvSpPr>
-            <p:spPr>
-              <a:xfrm>
-                <a:off x="5986415" y="3576383"/>
-                <a:ext cx="978712" cy="253514"/>
-              </a:xfrm>
-              <a:prstGeom prst="rect">
-                <a:avLst/>
-              </a:prstGeom>
-              <a:ln w="6350">
-                <a:solidFill>
-                  <a:schemeClr val="accent1">
-                    <a:lumMod val="50000"/>
-                  </a:schemeClr>
-                </a:solidFill>
-                <a:tailEnd type="triangle"/>
-              </a:ln>
-            </p:spPr>
-            <p:style>
-              <a:lnRef idx="1">
-                <a:schemeClr val="accent1"/>
-              </a:lnRef>
-              <a:fillRef idx="0">
-                <a:schemeClr val="accent1"/>
-              </a:fillRef>
-              <a:effectRef idx="0">
-                <a:schemeClr val="accent1"/>
-              </a:effectRef>
-              <a:fontRef idx="minor">
-                <a:schemeClr val="tx1"/>
-              </a:fontRef>
-            </p:style>
-            <p:txBody>
-              <a:bodyPr rot="0" spcFirstLastPara="0" vertOverflow="overflow" horzOverflow="overflow" vert="horz" wrap="square" lIns="91440" tIns="45720" rIns="91440" bIns="45720" numCol="1" spcCol="0" rtlCol="0" fromWordArt="0" anchor="ctr" anchorCtr="0" forceAA="0" compatLnSpc="1">
-                <a:prstTxWarp prst="textNoShape">
-                  <a:avLst/>
-                </a:prstTxWarp>
-                <a:noAutofit/>
-              </a:bodyPr>
-              <a:lstStyle/>
-              <a:p>
-                <a:pPr algn="ctr"/>
-                <a:r>
-                  <a:rPr lang="en-US" altLang="ko-KR" sz="900" dirty="0"/>
-                  <a:t> Regions</a:t>
-                </a:r>
-              </a:p>
-            </p:txBody>
-          </p:sp>
-        </p:grpSp>
-        <p:cxnSp>
-          <p:nvCxnSpPr>
-            <p:cNvPr id="45" name="직선 화살표 연결선 13">
-              <a:extLst>
-                <a:ext uri="{FF2B5EF4-FFF2-40B4-BE49-F238E27FC236}">
-                  <a16:creationId xmlns:a16="http://schemas.microsoft.com/office/drawing/2014/main" id="{7F30B411-9413-4DFD-945F-83F9B3B1D817}"/>
-                </a:ext>
-              </a:extLst>
-            </p:cNvPr>
-            <p:cNvCxnSpPr>
-              <a:cxnSpLocks/>
-              <a:endCxn id="34" idx="0"/>
-            </p:cNvCxnSpPr>
-            <p:nvPr/>
-          </p:nvCxnSpPr>
+          </p:nvSpPr>
           <p:spPr>
             <a:xfrm>
-              <a:off x="5792291" y="3117550"/>
-              <a:ext cx="654547" cy="171145"/>
+              <a:off x="4792628" y="4281903"/>
+              <a:ext cx="977605" cy="1320676"/>
             </a:xfrm>
-            <a:prstGeom prst="bentConnector2">
+            <a:prstGeom prst="rect">
               <a:avLst/>
             </a:prstGeom>
-            <a:ln>
+            <a:solidFill>
+              <a:schemeClr val="bg1"/>
+            </a:solidFill>
+            <a:ln w="6350">
               <a:solidFill>
-                <a:schemeClr val="tx1"/>
+                <a:schemeClr val="accent1">
+                  <a:lumMod val="50000"/>
+                </a:schemeClr>
               </a:solidFill>
               <a:tailEnd type="triangle"/>
             </a:ln>
@@ -5724,679 +6196,426 @@
               <a:schemeClr val="tx1"/>
             </a:fontRef>
           </p:style>
-        </p:cxnSp>
-        <p:sp>
-          <p:nvSpPr>
-            <p:cNvPr id="48" name="직사각형 47">
-              <a:extLst>
-                <a:ext uri="{FF2B5EF4-FFF2-40B4-BE49-F238E27FC236}">
-                  <a16:creationId xmlns:a16="http://schemas.microsoft.com/office/drawing/2014/main" id="{E0E2F347-21AC-438A-8B10-0CEE1ABFBE24}"/>
-                </a:ext>
-              </a:extLst>
-            </p:cNvPr>
-            <p:cNvSpPr/>
-            <p:nvPr/>
-          </p:nvSpPr>
-          <p:spPr>
-            <a:xfrm>
-              <a:off x="5944289" y="2857900"/>
-              <a:ext cx="1035631" cy="240401"/>
-            </a:xfrm>
-            <a:prstGeom prst="rect">
-              <a:avLst/>
-            </a:prstGeom>
-            <a:ln w="76200">
-              <a:noFill/>
-              <a:tailEnd type="triangle"/>
-            </a:ln>
-          </p:spPr>
-          <p:style>
-            <a:lnRef idx="1">
-              <a:schemeClr val="accent1"/>
-            </a:lnRef>
-            <a:fillRef idx="0">
-              <a:schemeClr val="accent1"/>
-            </a:fillRef>
-            <a:effectRef idx="0">
-              <a:schemeClr val="accent1"/>
-            </a:effectRef>
-            <a:fontRef idx="minor">
-              <a:schemeClr val="tx1"/>
-            </a:fontRef>
-          </p:style>
           <p:txBody>
-            <a:bodyPr rtlCol="0" anchor="ctr"/>
+            <a:bodyPr rot="0" spcFirstLastPara="0" vertOverflow="overflow" horzOverflow="overflow" vert="horz" wrap="square" lIns="91440" tIns="45720" rIns="91440" bIns="45720" numCol="1" spcCol="0" rtlCol="0" fromWordArt="0" anchor="ctr" anchorCtr="0" forceAA="0" compatLnSpc="1">
+              <a:prstTxWarp prst="textNoShape">
+                <a:avLst/>
+              </a:prstTxWarp>
+              <a:noAutofit/>
+            </a:bodyPr>
             <a:lstStyle/>
             <a:p>
               <a:pPr algn="ctr"/>
-              <a:r>
-                <a:rPr lang="ko-KR" altLang="en-US" sz="800" dirty="0">
-                  <a:solidFill>
-                    <a:schemeClr val="tx1"/>
-                  </a:solidFill>
-                </a:rPr>
-                <a:t>데이터 시각화</a:t>
-              </a:r>
-              <a:r>
-                <a:rPr lang="en-US" altLang="ko-KR" sz="800" dirty="0"/>
-                <a:t> </a:t>
-              </a:r>
-            </a:p>
-            <a:p>
-              <a:pPr algn="ctr"/>
-              <a:r>
-                <a:rPr lang="ko-KR" altLang="en-US" sz="800" dirty="0"/>
-                <a:t>및 결과 출력</a:t>
-              </a:r>
-              <a:endParaRPr lang="ko-KR" altLang="en-US" sz="800" dirty="0">
-                <a:solidFill>
-                  <a:schemeClr val="tx1"/>
-                </a:solidFill>
-              </a:endParaRPr>
-            </a:p>
-          </p:txBody>
-        </p:sp>
-        <p:sp>
-          <p:nvSpPr>
-            <p:cNvPr id="49" name="직사각형 48">
-              <a:extLst>
-                <a:ext uri="{FF2B5EF4-FFF2-40B4-BE49-F238E27FC236}">
-                  <a16:creationId xmlns:a16="http://schemas.microsoft.com/office/drawing/2014/main" id="{A86F4663-F708-49BC-807D-02CE614CB7A5}"/>
-                </a:ext>
-              </a:extLst>
-            </p:cNvPr>
-            <p:cNvSpPr/>
-            <p:nvPr/>
-          </p:nvSpPr>
-          <p:spPr>
-            <a:xfrm>
-              <a:off x="2634892" y="2147753"/>
-              <a:ext cx="138560" cy="138560"/>
-            </a:xfrm>
-            <a:prstGeom prst="rect">
-              <a:avLst/>
-            </a:prstGeom>
-          </p:spPr>
-          <p:style>
-            <a:lnRef idx="2">
-              <a:schemeClr val="accent1">
-                <a:shade val="50000"/>
-              </a:schemeClr>
-            </a:lnRef>
-            <a:fillRef idx="1">
-              <a:schemeClr val="accent1"/>
-            </a:fillRef>
-            <a:effectRef idx="0">
-              <a:schemeClr val="accent1"/>
-            </a:effectRef>
-            <a:fontRef idx="minor">
-              <a:schemeClr val="lt1"/>
-            </a:fontRef>
-          </p:style>
-          <p:txBody>
-            <a:bodyPr rtlCol="0" anchor="ctr"/>
-            <a:lstStyle/>
-            <a:p>
-              <a:pPr algn="ctr"/>
-              <a:r>
-                <a:rPr lang="en-US" altLang="ko-KR" sz="800" b="1" dirty="0"/>
-                <a:t>1</a:t>
-              </a:r>
-              <a:endParaRPr lang="ko-KR" altLang="en-US" sz="1200" b="1" dirty="0"/>
-            </a:p>
-          </p:txBody>
-        </p:sp>
-        <p:sp>
-          <p:nvSpPr>
-            <p:cNvPr id="51" name="직사각형 50">
-              <a:extLst>
-                <a:ext uri="{FF2B5EF4-FFF2-40B4-BE49-F238E27FC236}">
-                  <a16:creationId xmlns:a16="http://schemas.microsoft.com/office/drawing/2014/main" id="{4CF5AEE0-E9F2-4B57-9F85-88DC2EDA2902}"/>
-                </a:ext>
-              </a:extLst>
-            </p:cNvPr>
-            <p:cNvSpPr/>
-            <p:nvPr/>
-          </p:nvSpPr>
-          <p:spPr>
-            <a:xfrm>
-              <a:off x="1997007" y="3477166"/>
-              <a:ext cx="113531" cy="101911"/>
-            </a:xfrm>
-            <a:prstGeom prst="rect">
-              <a:avLst/>
-            </a:prstGeom>
-          </p:spPr>
-          <p:style>
-            <a:lnRef idx="2">
-              <a:schemeClr val="accent1">
-                <a:shade val="50000"/>
-              </a:schemeClr>
-            </a:lnRef>
-            <a:fillRef idx="1">
-              <a:schemeClr val="accent1"/>
-            </a:fillRef>
-            <a:effectRef idx="0">
-              <a:schemeClr val="accent1"/>
-            </a:effectRef>
-            <a:fontRef idx="minor">
-              <a:schemeClr val="lt1"/>
-            </a:fontRef>
-          </p:style>
-          <p:txBody>
-            <a:bodyPr rtlCol="0" anchor="ctr"/>
-            <a:lstStyle/>
-            <a:p>
-              <a:pPr algn="ctr"/>
-              <a:r>
-                <a:rPr lang="en-US" altLang="ko-KR" sz="700" b="1" dirty="0"/>
-                <a:t>2</a:t>
-              </a:r>
-              <a:endParaRPr lang="ko-KR" altLang="en-US" sz="1100" b="1" dirty="0"/>
-            </a:p>
-          </p:txBody>
-        </p:sp>
-        <p:sp>
-          <p:nvSpPr>
-            <p:cNvPr id="52" name="직사각형 51">
-              <a:extLst>
-                <a:ext uri="{FF2B5EF4-FFF2-40B4-BE49-F238E27FC236}">
-                  <a16:creationId xmlns:a16="http://schemas.microsoft.com/office/drawing/2014/main" id="{6F9DEA5D-4660-4250-B60A-1257B610037F}"/>
-                </a:ext>
-              </a:extLst>
-            </p:cNvPr>
-            <p:cNvSpPr/>
-            <p:nvPr/>
-          </p:nvSpPr>
-          <p:spPr>
-            <a:xfrm>
-              <a:off x="1998595" y="3738279"/>
-              <a:ext cx="113531" cy="101911"/>
-            </a:xfrm>
-            <a:prstGeom prst="rect">
-              <a:avLst/>
-            </a:prstGeom>
-          </p:spPr>
-          <p:style>
-            <a:lnRef idx="2">
-              <a:schemeClr val="accent1">
-                <a:shade val="50000"/>
-              </a:schemeClr>
-            </a:lnRef>
-            <a:fillRef idx="1">
-              <a:schemeClr val="accent1"/>
-            </a:fillRef>
-            <a:effectRef idx="0">
-              <a:schemeClr val="accent1"/>
-            </a:effectRef>
-            <a:fontRef idx="minor">
-              <a:schemeClr val="lt1"/>
-            </a:fontRef>
-          </p:style>
-          <p:txBody>
-            <a:bodyPr rtlCol="0" anchor="ctr"/>
-            <a:lstStyle/>
-            <a:p>
-              <a:pPr algn="ctr"/>
-              <a:r>
-                <a:rPr lang="en-US" altLang="ko-KR" sz="700" b="1" dirty="0"/>
-                <a:t>3</a:t>
-              </a:r>
-              <a:endParaRPr lang="ko-KR" altLang="en-US" sz="1100" b="1" dirty="0"/>
-            </a:p>
-          </p:txBody>
-        </p:sp>
-        <p:sp>
-          <p:nvSpPr>
-            <p:cNvPr id="53" name="직사각형 52">
-              <a:extLst>
-                <a:ext uri="{FF2B5EF4-FFF2-40B4-BE49-F238E27FC236}">
-                  <a16:creationId xmlns:a16="http://schemas.microsoft.com/office/drawing/2014/main" id="{2ED4F8EC-4BEA-4018-A5DE-E34D79A97417}"/>
-                </a:ext>
-              </a:extLst>
-            </p:cNvPr>
-            <p:cNvSpPr/>
-            <p:nvPr/>
-          </p:nvSpPr>
-          <p:spPr>
-            <a:xfrm>
-              <a:off x="1998595" y="3877977"/>
-              <a:ext cx="113531" cy="101911"/>
-            </a:xfrm>
-            <a:prstGeom prst="rect">
-              <a:avLst/>
-            </a:prstGeom>
-          </p:spPr>
-          <p:style>
-            <a:lnRef idx="2">
-              <a:schemeClr val="accent1">
-                <a:shade val="50000"/>
-              </a:schemeClr>
-            </a:lnRef>
-            <a:fillRef idx="1">
-              <a:schemeClr val="accent1"/>
-            </a:fillRef>
-            <a:effectRef idx="0">
-              <a:schemeClr val="accent1"/>
-            </a:effectRef>
-            <a:fontRef idx="minor">
-              <a:schemeClr val="lt1"/>
-            </a:fontRef>
-          </p:style>
-          <p:txBody>
-            <a:bodyPr rtlCol="0" anchor="ctr"/>
-            <a:lstStyle/>
-            <a:p>
-              <a:pPr algn="ctr"/>
-              <a:r>
-                <a:rPr lang="en-US" altLang="ko-KR" sz="700" b="1" dirty="0"/>
-                <a:t>4</a:t>
-              </a:r>
-              <a:endParaRPr lang="ko-KR" altLang="en-US" sz="1100" b="1" dirty="0"/>
-            </a:p>
-          </p:txBody>
-        </p:sp>
-        <p:sp>
-          <p:nvSpPr>
-            <p:cNvPr id="54" name="직사각형 53">
-              <a:extLst>
-                <a:ext uri="{FF2B5EF4-FFF2-40B4-BE49-F238E27FC236}">
-                  <a16:creationId xmlns:a16="http://schemas.microsoft.com/office/drawing/2014/main" id="{278E057D-7D23-4C6B-B7A5-715285A2DB54}"/>
-                </a:ext>
-              </a:extLst>
-            </p:cNvPr>
-            <p:cNvSpPr/>
-            <p:nvPr/>
-          </p:nvSpPr>
-          <p:spPr>
-            <a:xfrm>
-              <a:off x="1998595" y="4016656"/>
-              <a:ext cx="113531" cy="101911"/>
-            </a:xfrm>
-            <a:prstGeom prst="rect">
-              <a:avLst/>
-            </a:prstGeom>
-          </p:spPr>
-          <p:style>
-            <a:lnRef idx="2">
-              <a:schemeClr val="accent1">
-                <a:shade val="50000"/>
-              </a:schemeClr>
-            </a:lnRef>
-            <a:fillRef idx="1">
-              <a:schemeClr val="accent1"/>
-            </a:fillRef>
-            <a:effectRef idx="0">
-              <a:schemeClr val="accent1"/>
-            </a:effectRef>
-            <a:fontRef idx="minor">
-              <a:schemeClr val="lt1"/>
-            </a:fontRef>
-          </p:style>
-          <p:txBody>
-            <a:bodyPr rtlCol="0" anchor="ctr"/>
-            <a:lstStyle/>
-            <a:p>
-              <a:pPr algn="ctr"/>
-              <a:r>
-                <a:rPr lang="en-US" altLang="ko-KR" sz="700" b="1" dirty="0"/>
-                <a:t>5</a:t>
-              </a:r>
-              <a:endParaRPr lang="ko-KR" altLang="en-US" sz="1100" b="1" dirty="0"/>
-            </a:p>
-          </p:txBody>
-        </p:sp>
-        <p:sp>
-          <p:nvSpPr>
-            <p:cNvPr id="55" name="직사각형 54">
-              <a:extLst>
-                <a:ext uri="{FF2B5EF4-FFF2-40B4-BE49-F238E27FC236}">
-                  <a16:creationId xmlns:a16="http://schemas.microsoft.com/office/drawing/2014/main" id="{DE93150D-DC61-47D4-ADA6-D09A2BC14A7B}"/>
-                </a:ext>
-              </a:extLst>
-            </p:cNvPr>
-            <p:cNvSpPr/>
-            <p:nvPr/>
-          </p:nvSpPr>
-          <p:spPr>
-            <a:xfrm>
-              <a:off x="4134954" y="2959741"/>
-              <a:ext cx="138560" cy="138560"/>
-            </a:xfrm>
-            <a:prstGeom prst="rect">
-              <a:avLst/>
-            </a:prstGeom>
-          </p:spPr>
-          <p:style>
-            <a:lnRef idx="2">
-              <a:schemeClr val="accent1">
-                <a:shade val="50000"/>
-              </a:schemeClr>
-            </a:lnRef>
-            <a:fillRef idx="1">
-              <a:schemeClr val="accent1"/>
-            </a:fillRef>
-            <a:effectRef idx="0">
-              <a:schemeClr val="accent1"/>
-            </a:effectRef>
-            <a:fontRef idx="minor">
-              <a:schemeClr val="lt1"/>
-            </a:fontRef>
-          </p:style>
-          <p:txBody>
-            <a:bodyPr rtlCol="0" anchor="ctr"/>
-            <a:lstStyle/>
-            <a:p>
-              <a:pPr algn="ctr"/>
-              <a:r>
-                <a:rPr lang="en-US" altLang="ko-KR" sz="800" b="1" dirty="0"/>
-                <a:t>6</a:t>
-              </a:r>
-              <a:endParaRPr lang="ko-KR" altLang="en-US" sz="1200" b="1" dirty="0"/>
-            </a:p>
-          </p:txBody>
-        </p:sp>
-        <p:sp>
-          <p:nvSpPr>
-            <p:cNvPr id="56" name="직사각형 55">
-              <a:extLst>
-                <a:ext uri="{FF2B5EF4-FFF2-40B4-BE49-F238E27FC236}">
-                  <a16:creationId xmlns:a16="http://schemas.microsoft.com/office/drawing/2014/main" id="{8E72D36C-B171-4B83-9AD6-F9EF70381F07}"/>
-                </a:ext>
-              </a:extLst>
-            </p:cNvPr>
-            <p:cNvSpPr/>
-            <p:nvPr/>
-          </p:nvSpPr>
-          <p:spPr>
-            <a:xfrm>
-              <a:off x="5226747" y="3320663"/>
-              <a:ext cx="138560" cy="138560"/>
-            </a:xfrm>
-            <a:prstGeom prst="rect">
-              <a:avLst/>
-            </a:prstGeom>
-          </p:spPr>
-          <p:style>
-            <a:lnRef idx="2">
-              <a:schemeClr val="accent1">
-                <a:shade val="50000"/>
-              </a:schemeClr>
-            </a:lnRef>
-            <a:fillRef idx="1">
-              <a:schemeClr val="accent1"/>
-            </a:fillRef>
-            <a:effectRef idx="0">
-              <a:schemeClr val="accent1"/>
-            </a:effectRef>
-            <a:fontRef idx="minor">
-              <a:schemeClr val="lt1"/>
-            </a:fontRef>
-          </p:style>
-          <p:txBody>
-            <a:bodyPr rtlCol="0" anchor="ctr"/>
-            <a:lstStyle/>
-            <a:p>
-              <a:pPr algn="ctr"/>
-              <a:r>
-                <a:rPr lang="en-US" altLang="ko-KR" sz="800" b="1" dirty="0"/>
-                <a:t>7</a:t>
-              </a:r>
-              <a:endParaRPr lang="ko-KR" altLang="en-US" sz="1200" b="1" dirty="0"/>
-            </a:p>
-          </p:txBody>
-        </p:sp>
-        <p:sp>
-          <p:nvSpPr>
-            <p:cNvPr id="57" name="직사각형 56">
-              <a:extLst>
-                <a:ext uri="{FF2B5EF4-FFF2-40B4-BE49-F238E27FC236}">
-                  <a16:creationId xmlns:a16="http://schemas.microsoft.com/office/drawing/2014/main" id="{5DEADB63-B88D-440A-86F1-88C6B6696728}"/>
-                </a:ext>
-              </a:extLst>
-            </p:cNvPr>
-            <p:cNvSpPr/>
-            <p:nvPr/>
-          </p:nvSpPr>
-          <p:spPr>
-            <a:xfrm>
-              <a:off x="5959675" y="3350805"/>
-              <a:ext cx="138560" cy="138560"/>
-            </a:xfrm>
-            <a:prstGeom prst="rect">
-              <a:avLst/>
-            </a:prstGeom>
-          </p:spPr>
-          <p:style>
-            <a:lnRef idx="2">
-              <a:schemeClr val="accent1">
-                <a:shade val="50000"/>
-              </a:schemeClr>
-            </a:lnRef>
-            <a:fillRef idx="1">
-              <a:schemeClr val="accent1"/>
-            </a:fillRef>
-            <a:effectRef idx="0">
-              <a:schemeClr val="accent1"/>
-            </a:effectRef>
-            <a:fontRef idx="minor">
-              <a:schemeClr val="lt1"/>
-            </a:fontRef>
-          </p:style>
-          <p:txBody>
-            <a:bodyPr rtlCol="0" anchor="ctr"/>
-            <a:lstStyle/>
-            <a:p>
-              <a:pPr algn="ctr"/>
-              <a:r>
-                <a:rPr lang="en-US" altLang="ko-KR" sz="800" b="1" dirty="0"/>
-                <a:t>9</a:t>
-              </a:r>
-              <a:endParaRPr lang="ko-KR" altLang="en-US" sz="1200" b="1" dirty="0"/>
-            </a:p>
-          </p:txBody>
-        </p:sp>
-        <p:sp>
-          <p:nvSpPr>
-            <p:cNvPr id="58" name="직사각형 57">
-              <a:extLst>
-                <a:ext uri="{FF2B5EF4-FFF2-40B4-BE49-F238E27FC236}">
-                  <a16:creationId xmlns:a16="http://schemas.microsoft.com/office/drawing/2014/main" id="{DAA891C2-D2EA-46F0-985A-60A4DCC7CDC6}"/>
-                </a:ext>
-              </a:extLst>
-            </p:cNvPr>
-            <p:cNvSpPr/>
-            <p:nvPr/>
-          </p:nvSpPr>
-          <p:spPr>
-            <a:xfrm>
-              <a:off x="5959675" y="3607035"/>
-              <a:ext cx="136325" cy="138560"/>
-            </a:xfrm>
-            <a:prstGeom prst="rect">
-              <a:avLst/>
-            </a:prstGeom>
-          </p:spPr>
-          <p:style>
-            <a:lnRef idx="2">
-              <a:schemeClr val="accent1">
-                <a:shade val="50000"/>
-              </a:schemeClr>
-            </a:lnRef>
-            <a:fillRef idx="1">
-              <a:schemeClr val="accent1"/>
-            </a:fillRef>
-            <a:effectRef idx="0">
-              <a:schemeClr val="accent1"/>
-            </a:effectRef>
-            <a:fontRef idx="minor">
-              <a:schemeClr val="lt1"/>
-            </a:fontRef>
-          </p:style>
-          <p:txBody>
-            <a:bodyPr lIns="0" tIns="0" rIns="0" bIns="0" rtlCol="0" anchor="ctr"/>
-            <a:lstStyle/>
-            <a:p>
-              <a:pPr algn="ctr"/>
-              <a:r>
-                <a:rPr lang="en-US" altLang="ko-KR" sz="800" b="1" dirty="0"/>
-                <a:t>10</a:t>
-              </a:r>
-              <a:endParaRPr lang="ko-KR" altLang="en-US" sz="800" b="1" dirty="0"/>
-            </a:p>
-          </p:txBody>
-        </p:sp>
-        <p:sp>
-          <p:nvSpPr>
-            <p:cNvPr id="59" name="직사각형 58">
-              <a:extLst>
-                <a:ext uri="{FF2B5EF4-FFF2-40B4-BE49-F238E27FC236}">
-                  <a16:creationId xmlns:a16="http://schemas.microsoft.com/office/drawing/2014/main" id="{5A3DE478-78B8-4067-AAF5-9D163EB9D1E8}"/>
-                </a:ext>
-              </a:extLst>
-            </p:cNvPr>
-            <p:cNvSpPr/>
-            <p:nvPr/>
-          </p:nvSpPr>
-          <p:spPr>
-            <a:xfrm>
-              <a:off x="5959675" y="3855751"/>
-              <a:ext cx="138560" cy="138560"/>
-            </a:xfrm>
-            <a:prstGeom prst="rect">
-              <a:avLst/>
-            </a:prstGeom>
-          </p:spPr>
-          <p:style>
-            <a:lnRef idx="2">
-              <a:schemeClr val="accent1">
-                <a:shade val="50000"/>
-              </a:schemeClr>
-            </a:lnRef>
-            <a:fillRef idx="1">
-              <a:schemeClr val="accent1"/>
-            </a:fillRef>
-            <a:effectRef idx="0">
-              <a:schemeClr val="accent1"/>
-            </a:effectRef>
-            <a:fontRef idx="minor">
-              <a:schemeClr val="lt1"/>
-            </a:fontRef>
-          </p:style>
-          <p:txBody>
-            <a:bodyPr lIns="0" tIns="0" rIns="0" bIns="0" rtlCol="0" anchor="ctr"/>
-            <a:lstStyle/>
-            <a:p>
-              <a:pPr algn="ctr"/>
-              <a:r>
-                <a:rPr lang="en-US" altLang="ko-KR" sz="800" b="1" dirty="0"/>
-                <a:t>11</a:t>
-              </a:r>
-              <a:endParaRPr lang="ko-KR" altLang="en-US" sz="1200" b="1" dirty="0"/>
-            </a:p>
-          </p:txBody>
-        </p:sp>
-        <p:sp>
-          <p:nvSpPr>
-            <p:cNvPr id="60" name="직사각형 59">
-              <a:extLst>
-                <a:ext uri="{FF2B5EF4-FFF2-40B4-BE49-F238E27FC236}">
-                  <a16:creationId xmlns:a16="http://schemas.microsoft.com/office/drawing/2014/main" id="{EA5F879E-DA46-45BA-94FB-24C1D472FFE7}"/>
-                </a:ext>
-              </a:extLst>
-            </p:cNvPr>
-            <p:cNvSpPr/>
-            <p:nvPr/>
-          </p:nvSpPr>
-          <p:spPr>
-            <a:xfrm>
-              <a:off x="5921449" y="2896521"/>
-              <a:ext cx="138560" cy="138560"/>
-            </a:xfrm>
-            <a:prstGeom prst="rect">
-              <a:avLst/>
-            </a:prstGeom>
-          </p:spPr>
-          <p:style>
-            <a:lnRef idx="2">
-              <a:schemeClr val="accent1">
-                <a:shade val="50000"/>
-              </a:schemeClr>
-            </a:lnRef>
-            <a:fillRef idx="1">
-              <a:schemeClr val="accent1"/>
-            </a:fillRef>
-            <a:effectRef idx="0">
-              <a:schemeClr val="accent1"/>
-            </a:effectRef>
-            <a:fontRef idx="minor">
-              <a:schemeClr val="lt1"/>
-            </a:fontRef>
-          </p:style>
-          <p:txBody>
-            <a:bodyPr rtlCol="0" anchor="ctr"/>
-            <a:lstStyle/>
-            <a:p>
-              <a:pPr algn="ctr"/>
-              <a:r>
-                <a:rPr lang="en-US" altLang="ko-KR" sz="800" b="1" dirty="0"/>
-                <a:t>8</a:t>
-              </a:r>
-              <a:endParaRPr lang="ko-KR" altLang="en-US" sz="1200" b="1" dirty="0"/>
-            </a:p>
-          </p:txBody>
-        </p:sp>
-        <p:sp>
-          <p:nvSpPr>
-            <p:cNvPr id="61" name="직사각형 60">
-              <a:extLst>
-                <a:ext uri="{FF2B5EF4-FFF2-40B4-BE49-F238E27FC236}">
-                  <a16:creationId xmlns:a16="http://schemas.microsoft.com/office/drawing/2014/main" id="{031F7814-E3BD-470A-938F-9270EF4F770C}"/>
-                </a:ext>
-              </a:extLst>
-            </p:cNvPr>
-            <p:cNvSpPr/>
-            <p:nvPr/>
-          </p:nvSpPr>
-          <p:spPr>
-            <a:xfrm>
-              <a:off x="3102293" y="1573617"/>
-              <a:ext cx="138560" cy="138560"/>
-            </a:xfrm>
-            <a:prstGeom prst="rect">
-              <a:avLst/>
-            </a:prstGeom>
-          </p:spPr>
-          <p:style>
-            <a:lnRef idx="2">
-              <a:schemeClr val="accent1">
-                <a:shade val="50000"/>
-              </a:schemeClr>
-            </a:lnRef>
-            <a:fillRef idx="1">
-              <a:schemeClr val="accent1"/>
-            </a:fillRef>
-            <a:effectRef idx="0">
-              <a:schemeClr val="accent1"/>
-            </a:effectRef>
-            <a:fontRef idx="minor">
-              <a:schemeClr val="lt1"/>
-            </a:fontRef>
-          </p:style>
-          <p:txBody>
-            <a:bodyPr rtlCol="0" anchor="ctr"/>
-            <a:lstStyle/>
-            <a:p>
-              <a:pPr algn="ctr"/>
-              <a:r>
-                <a:rPr lang="en-US" altLang="ko-KR" sz="800" b="1" dirty="0"/>
-                <a:t>0</a:t>
-              </a:r>
-              <a:endParaRPr lang="ko-KR" altLang="en-US" sz="1200" b="1" dirty="0"/>
+              <a:endParaRPr lang="en-US" altLang="ko-KR" sz="1400" b="1" dirty="0"/>
             </a:p>
           </p:txBody>
         </p:sp>
       </p:grpSp>
+      <p:sp>
+        <p:nvSpPr>
+          <p:cNvPr id="55" name="직사각형 54">
+            <a:extLst>
+              <a:ext uri="{FF2B5EF4-FFF2-40B4-BE49-F238E27FC236}">
+                <a16:creationId xmlns:a16="http://schemas.microsoft.com/office/drawing/2014/main" id="{DE93150D-DC61-47D4-ADA6-D09A2BC14A7B}"/>
+              </a:ext>
+            </a:extLst>
+          </p:cNvPr>
+          <p:cNvSpPr/>
+          <p:nvPr/>
+        </p:nvSpPr>
+        <p:spPr>
+          <a:xfrm>
+            <a:off x="4570813" y="5259686"/>
+            <a:ext cx="261817" cy="232081"/>
+          </a:xfrm>
+          <a:prstGeom prst="rect">
+            <a:avLst/>
+          </a:prstGeom>
+        </p:spPr>
+        <p:style>
+          <a:lnRef idx="2">
+            <a:schemeClr val="accent1">
+              <a:shade val="50000"/>
+            </a:schemeClr>
+          </a:lnRef>
+          <a:fillRef idx="1">
+            <a:schemeClr val="accent1"/>
+          </a:fillRef>
+          <a:effectRef idx="0">
+            <a:schemeClr val="accent1"/>
+          </a:effectRef>
+          <a:fontRef idx="minor">
+            <a:schemeClr val="lt1"/>
+          </a:fontRef>
+        </p:style>
+        <p:txBody>
+          <a:bodyPr rtlCol="0" anchor="ctr"/>
+          <a:lstStyle/>
+          <a:p>
+            <a:pPr algn="ctr"/>
+            <a:r>
+              <a:rPr lang="en-US" altLang="ko-KR" sz="1100" b="1" dirty="0"/>
+              <a:t>3</a:t>
+            </a:r>
+            <a:endParaRPr lang="ko-KR" altLang="en-US" sz="2000" b="1" dirty="0"/>
+          </a:p>
+        </p:txBody>
+      </p:sp>
+      <p:cxnSp>
+        <p:nvCxnSpPr>
+          <p:cNvPr id="105" name="직선 화살표 연결선 13">
+            <a:extLst>
+              <a:ext uri="{FF2B5EF4-FFF2-40B4-BE49-F238E27FC236}">
+                <a16:creationId xmlns:a16="http://schemas.microsoft.com/office/drawing/2014/main" id="{58931A64-31FB-48D9-A952-A5A2C2BF4328}"/>
+              </a:ext>
+            </a:extLst>
+          </p:cNvPr>
+          <p:cNvCxnSpPr>
+            <a:cxnSpLocks/>
+            <a:endCxn id="29" idx="2"/>
+          </p:cNvCxnSpPr>
+          <p:nvPr/>
+        </p:nvCxnSpPr>
+        <p:spPr>
+          <a:xfrm>
+            <a:off x="6171059" y="4518140"/>
+            <a:ext cx="727318" cy="0"/>
+          </a:xfrm>
+          <a:prstGeom prst="straightConnector1">
+            <a:avLst/>
+          </a:prstGeom>
+          <a:ln>
+            <a:solidFill>
+              <a:schemeClr val="tx1"/>
+            </a:solidFill>
+            <a:tailEnd type="triangle"/>
+          </a:ln>
+        </p:spPr>
+        <p:style>
+          <a:lnRef idx="1">
+            <a:schemeClr val="accent1"/>
+          </a:lnRef>
+          <a:fillRef idx="0">
+            <a:schemeClr val="accent1"/>
+          </a:fillRef>
+          <a:effectRef idx="0">
+            <a:schemeClr val="accent1"/>
+          </a:effectRef>
+          <a:fontRef idx="minor">
+            <a:schemeClr val="tx1"/>
+          </a:fontRef>
+        </p:style>
+      </p:cxnSp>
+      <p:sp>
+        <p:nvSpPr>
+          <p:cNvPr id="106" name="직사각형 105">
+            <a:extLst>
+              <a:ext uri="{FF2B5EF4-FFF2-40B4-BE49-F238E27FC236}">
+                <a16:creationId xmlns:a16="http://schemas.microsoft.com/office/drawing/2014/main" id="{C4621FAA-F3AA-4978-8C95-86DA0E1A1AD7}"/>
+              </a:ext>
+            </a:extLst>
+          </p:cNvPr>
+          <p:cNvSpPr/>
+          <p:nvPr/>
+        </p:nvSpPr>
+        <p:spPr>
+          <a:xfrm>
+            <a:off x="6390337" y="5208686"/>
+            <a:ext cx="261817" cy="232081"/>
+          </a:xfrm>
+          <a:prstGeom prst="rect">
+            <a:avLst/>
+          </a:prstGeom>
+        </p:spPr>
+        <p:style>
+          <a:lnRef idx="2">
+            <a:schemeClr val="accent1">
+              <a:shade val="50000"/>
+            </a:schemeClr>
+          </a:lnRef>
+          <a:fillRef idx="1">
+            <a:schemeClr val="accent1"/>
+          </a:fillRef>
+          <a:effectRef idx="0">
+            <a:schemeClr val="accent1"/>
+          </a:effectRef>
+          <a:fontRef idx="minor">
+            <a:schemeClr val="lt1"/>
+          </a:fontRef>
+        </p:style>
+        <p:txBody>
+          <a:bodyPr rtlCol="0" anchor="ctr"/>
+          <a:lstStyle/>
+          <a:p>
+            <a:pPr algn="ctr"/>
+            <a:r>
+              <a:rPr lang="en-US" altLang="ko-KR" sz="1100" b="1" dirty="0"/>
+              <a:t>4</a:t>
+            </a:r>
+            <a:endParaRPr lang="ko-KR" altLang="en-US" sz="2000" b="1" dirty="0"/>
+          </a:p>
+        </p:txBody>
+      </p:sp>
+      <p:sp>
+        <p:nvSpPr>
+          <p:cNvPr id="107" name="직사각형 106">
+            <a:extLst>
+              <a:ext uri="{FF2B5EF4-FFF2-40B4-BE49-F238E27FC236}">
+                <a16:creationId xmlns:a16="http://schemas.microsoft.com/office/drawing/2014/main" id="{46479DAF-3E5F-448A-A66C-6E149E850CCC}"/>
+              </a:ext>
+            </a:extLst>
+          </p:cNvPr>
+          <p:cNvSpPr/>
+          <p:nvPr/>
+        </p:nvSpPr>
+        <p:spPr>
+          <a:xfrm>
+            <a:off x="5013187" y="4281903"/>
+            <a:ext cx="967422" cy="1317133"/>
+          </a:xfrm>
+          <a:prstGeom prst="rect">
+            <a:avLst/>
+          </a:prstGeom>
+          <a:ln w="76200">
+            <a:noFill/>
+            <a:tailEnd type="triangle"/>
+          </a:ln>
+        </p:spPr>
+        <p:style>
+          <a:lnRef idx="1">
+            <a:schemeClr val="accent1"/>
+          </a:lnRef>
+          <a:fillRef idx="0">
+            <a:schemeClr val="accent1"/>
+          </a:fillRef>
+          <a:effectRef idx="0">
+            <a:schemeClr val="accent1"/>
+          </a:effectRef>
+          <a:fontRef idx="minor">
+            <a:schemeClr val="tx1"/>
+          </a:fontRef>
+        </p:style>
+        <p:txBody>
+          <a:bodyPr rtlCol="0" anchor="ctr"/>
+          <a:lstStyle/>
+          <a:p>
+            <a:pPr algn="ctr"/>
+            <a:r>
+              <a:rPr lang="en-US" altLang="ko-KR" sz="800" dirty="0"/>
+              <a:t>Corporates.</a:t>
+            </a:r>
+            <a:r>
+              <a:rPr lang="en-US" altLang="ko-KR" sz="800" dirty="0">
+                <a:solidFill>
+                  <a:schemeClr val="tx1"/>
+                </a:solidFill>
+              </a:rPr>
+              <a:t>CSV</a:t>
+            </a:r>
+          </a:p>
+          <a:p>
+            <a:pPr algn="ctr"/>
+            <a:r>
+              <a:rPr lang="en-US" altLang="ko-KR" sz="800" dirty="0"/>
+              <a:t>Cor_features.CSV</a:t>
+            </a:r>
+          </a:p>
+          <a:p>
+            <a:pPr algn="ctr"/>
+            <a:r>
+              <a:rPr lang="en-US" altLang="ko-KR" sz="800" dirty="0"/>
+              <a:t>Cor_risk.CSV</a:t>
+            </a:r>
+            <a:endParaRPr lang="ko-KR" altLang="en-US" sz="800" dirty="0">
+              <a:solidFill>
+                <a:schemeClr val="tx1"/>
+              </a:solidFill>
+            </a:endParaRPr>
+          </a:p>
+        </p:txBody>
+      </p:sp>
+      <p:sp>
+        <p:nvSpPr>
+          <p:cNvPr id="108" name="직사각형 107">
+            <a:extLst>
+              <a:ext uri="{FF2B5EF4-FFF2-40B4-BE49-F238E27FC236}">
+                <a16:creationId xmlns:a16="http://schemas.microsoft.com/office/drawing/2014/main" id="{BDB8A64C-A1C6-4FF9-8AA8-E1B7EF883DEC}"/>
+              </a:ext>
+            </a:extLst>
+          </p:cNvPr>
+          <p:cNvSpPr/>
+          <p:nvPr/>
+        </p:nvSpPr>
+        <p:spPr>
+          <a:xfrm>
+            <a:off x="6228780" y="5502819"/>
+            <a:ext cx="1303915" cy="402660"/>
+          </a:xfrm>
+          <a:prstGeom prst="rect">
+            <a:avLst/>
+          </a:prstGeom>
+          <a:ln w="76200">
+            <a:noFill/>
+            <a:tailEnd type="triangle"/>
+          </a:ln>
+        </p:spPr>
+        <p:style>
+          <a:lnRef idx="1">
+            <a:schemeClr val="accent1"/>
+          </a:lnRef>
+          <a:fillRef idx="0">
+            <a:schemeClr val="accent1"/>
+          </a:fillRef>
+          <a:effectRef idx="0">
+            <a:schemeClr val="accent1"/>
+          </a:effectRef>
+          <a:fontRef idx="minor">
+            <a:schemeClr val="tx1"/>
+          </a:fontRef>
+        </p:style>
+        <p:txBody>
+          <a:bodyPr rtlCol="0" anchor="ctr"/>
+          <a:lstStyle/>
+          <a:p>
+            <a:pPr algn="ctr"/>
+            <a:r>
+              <a:rPr lang="en-US" altLang="ko-KR" sz="1600" dirty="0"/>
+              <a:t>CSV import</a:t>
+            </a:r>
+            <a:endParaRPr lang="ko-KR" altLang="en-US" sz="1600" dirty="0">
+              <a:solidFill>
+                <a:schemeClr val="tx1"/>
+              </a:solidFill>
+            </a:endParaRPr>
+          </a:p>
+        </p:txBody>
+      </p:sp>
+      <p:sp>
+        <p:nvSpPr>
+          <p:cNvPr id="109" name="직사각형 108">
+            <a:extLst>
+              <a:ext uri="{FF2B5EF4-FFF2-40B4-BE49-F238E27FC236}">
+                <a16:creationId xmlns:a16="http://schemas.microsoft.com/office/drawing/2014/main" id="{0FF2FC18-A827-482A-AE60-52356B548FB5}"/>
+              </a:ext>
+            </a:extLst>
+          </p:cNvPr>
+          <p:cNvSpPr/>
+          <p:nvPr/>
+        </p:nvSpPr>
+        <p:spPr>
+          <a:xfrm>
+            <a:off x="7396778" y="4269264"/>
+            <a:ext cx="1303915" cy="684205"/>
+          </a:xfrm>
+          <a:prstGeom prst="rect">
+            <a:avLst/>
+          </a:prstGeom>
+          <a:ln w="76200">
+            <a:noFill/>
+            <a:tailEnd type="triangle"/>
+          </a:ln>
+        </p:spPr>
+        <p:style>
+          <a:lnRef idx="1">
+            <a:schemeClr val="accent1"/>
+          </a:lnRef>
+          <a:fillRef idx="0">
+            <a:schemeClr val="accent1"/>
+          </a:fillRef>
+          <a:effectRef idx="0">
+            <a:schemeClr val="accent1"/>
+          </a:effectRef>
+          <a:fontRef idx="minor">
+            <a:schemeClr val="tx1"/>
+          </a:fontRef>
+        </p:style>
+        <p:txBody>
+          <a:bodyPr rtlCol="0" anchor="ctr"/>
+          <a:lstStyle/>
+          <a:p>
+            <a:r>
+              <a:rPr lang="en-US" altLang="ko-KR" sz="1400" dirty="0">
+                <a:solidFill>
+                  <a:schemeClr val="tx1"/>
+                </a:solidFill>
+              </a:rPr>
+              <a:t>Corporates</a:t>
+            </a:r>
+          </a:p>
+          <a:p>
+            <a:r>
+              <a:rPr lang="en-US" altLang="ko-KR" sz="1400" dirty="0" err="1"/>
+              <a:t>Cor_features</a:t>
+            </a:r>
+            <a:endParaRPr lang="en-US" altLang="ko-KR" sz="1400" dirty="0"/>
+          </a:p>
+          <a:p>
+            <a:r>
+              <a:rPr lang="en-US" altLang="ko-KR" sz="1400" dirty="0" err="1">
+                <a:solidFill>
+                  <a:schemeClr val="tx1"/>
+                </a:solidFill>
+              </a:rPr>
+              <a:t>Cor_risk</a:t>
+            </a:r>
+            <a:endParaRPr lang="ko-KR" altLang="en-US" sz="1400" dirty="0">
+              <a:solidFill>
+                <a:schemeClr val="tx1"/>
+              </a:solidFill>
+            </a:endParaRPr>
+          </a:p>
+        </p:txBody>
+      </p:sp>
+      <p:sp>
+        <p:nvSpPr>
+          <p:cNvPr id="110" name="직사각형 109">
+            <a:extLst>
+              <a:ext uri="{FF2B5EF4-FFF2-40B4-BE49-F238E27FC236}">
+                <a16:creationId xmlns:a16="http://schemas.microsoft.com/office/drawing/2014/main" id="{7C60F95C-7172-45AD-918C-5A2854F10672}"/>
+              </a:ext>
+            </a:extLst>
+          </p:cNvPr>
+          <p:cNvSpPr/>
+          <p:nvPr/>
+        </p:nvSpPr>
+        <p:spPr>
+          <a:xfrm>
+            <a:off x="834494" y="4807323"/>
+            <a:ext cx="261817" cy="232081"/>
+          </a:xfrm>
+          <a:prstGeom prst="rect">
+            <a:avLst/>
+          </a:prstGeom>
+        </p:spPr>
+        <p:style>
+          <a:lnRef idx="2">
+            <a:schemeClr val="accent1">
+              <a:shade val="50000"/>
+            </a:schemeClr>
+          </a:lnRef>
+          <a:fillRef idx="1">
+            <a:schemeClr val="accent1"/>
+          </a:fillRef>
+          <a:effectRef idx="0">
+            <a:schemeClr val="accent1"/>
+          </a:effectRef>
+          <a:fontRef idx="minor">
+            <a:schemeClr val="lt1"/>
+          </a:fontRef>
+        </p:style>
+        <p:txBody>
+          <a:bodyPr rtlCol="0" anchor="ctr"/>
+          <a:lstStyle/>
+          <a:p>
+            <a:pPr algn="ctr"/>
+            <a:r>
+              <a:rPr lang="en-US" altLang="ko-KR" sz="1200" b="1" dirty="0"/>
+              <a:t>2</a:t>
+            </a:r>
+            <a:endParaRPr lang="ko-KR" altLang="en-US" sz="1200" b="1" dirty="0"/>
+          </a:p>
+        </p:txBody>
+      </p:sp>
     </p:spTree>
     <p:extLst>
       <p:ext uri="{BB962C8B-B14F-4D97-AF65-F5344CB8AC3E}">
